--- a/otchet/Видякин Голушков.pptx
+++ b/otchet/Видякин Голушков.pptx
@@ -5,21 +5,22 @@
     <p:sldMasterId id="2147483659" r:id="rId1"/>
   </p:sldMasterIdLst>
   <p:notesMasterIdLst>
-    <p:notesMasterId r:id="rId14"/>
+    <p:notesMasterId r:id="rId15"/>
   </p:notesMasterIdLst>
   <p:sldIdLst>
     <p:sldId id="256" r:id="rId2"/>
     <p:sldId id="257" r:id="rId3"/>
     <p:sldId id="258" r:id="rId4"/>
-    <p:sldId id="259" r:id="rId5"/>
-    <p:sldId id="260" r:id="rId6"/>
-    <p:sldId id="261" r:id="rId7"/>
-    <p:sldId id="262" r:id="rId8"/>
-    <p:sldId id="263" r:id="rId9"/>
-    <p:sldId id="264" r:id="rId10"/>
-    <p:sldId id="265" r:id="rId11"/>
+    <p:sldId id="268" r:id="rId5"/>
+    <p:sldId id="269" r:id="rId6"/>
+    <p:sldId id="270" r:id="rId7"/>
+    <p:sldId id="271" r:id="rId8"/>
+    <p:sldId id="272" r:id="rId9"/>
+    <p:sldId id="273" r:id="rId10"/>
+    <p:sldId id="274" r:id="rId11"/>
     <p:sldId id="266" r:id="rId12"/>
-    <p:sldId id="267" r:id="rId13"/>
+    <p:sldId id="275" r:id="rId13"/>
+    <p:sldId id="267" r:id="rId14"/>
   </p:sldIdLst>
   <p:sldSz cx="9144000" cy="6858000" type="screen4x3"/>
   <p:notesSz cx="6858000" cy="9144000"/>
@@ -798,318 +799,6 @@
 </p:notes>
 </file>
 
-<file path=ppt/notesSlides/notesSlide10.xml><?xml version="1.0" encoding="utf-8"?>
-<p:notes xmlns:a="http://schemas.openxmlformats.org/drawingml/2006/main" xmlns:r="http://schemas.openxmlformats.org/officeDocument/2006/relationships" xmlns:p="http://schemas.openxmlformats.org/presentationml/2006/main" showMasterSp="0" showMasterPhAnim="0">
-  <p:cSld>
-    <p:spTree>
-      <p:nvGrpSpPr>
-        <p:cNvPr id="1" name="Shape 125"/>
-        <p:cNvGrpSpPr/>
-        <p:nvPr/>
-      </p:nvGrpSpPr>
-      <p:grpSpPr>
-        <a:xfrm>
-          <a:off x="0" y="0"/>
-          <a:ext cx="0" cy="0"/>
-          <a:chOff x="0" y="0"/>
-          <a:chExt cx="0" cy="0"/>
-        </a:xfrm>
-      </p:grpSpPr>
-      <p:sp>
-        <p:nvSpPr>
-          <p:cNvPr id="126" name="Google Shape;126;g4ad5b123d2_0_1428:notes"/>
-          <p:cNvSpPr>
-            <a:spLocks noGrp="1" noRot="1" noChangeAspect="1"/>
-          </p:cNvSpPr>
-          <p:nvPr>
-            <p:ph type="sldImg" idx="2"/>
-          </p:nvPr>
-        </p:nvSpPr>
-        <p:spPr>
-          <a:xfrm>
-            <a:off x="1143000" y="685800"/>
-            <a:ext cx="4572000" cy="3429000"/>
-          </a:xfrm>
-          <a:custGeom>
-            <a:avLst/>
-            <a:gdLst/>
-            <a:ahLst/>
-            <a:cxnLst/>
-            <a:rect l="l" t="t" r="r" b="b"/>
-            <a:pathLst>
-              <a:path w="120000" h="120000" extrusionOk="0">
-                <a:moveTo>
-                  <a:pt x="0" y="0"/>
-                </a:moveTo>
-                <a:lnTo>
-                  <a:pt x="120000" y="0"/>
-                </a:lnTo>
-                <a:lnTo>
-                  <a:pt x="120000" y="120000"/>
-                </a:lnTo>
-                <a:lnTo>
-                  <a:pt x="0" y="120000"/>
-                </a:lnTo>
-                <a:close/>
-              </a:path>
-            </a:pathLst>
-          </a:custGeom>
-        </p:spPr>
-      </p:sp>
-      <p:sp>
-        <p:nvSpPr>
-          <p:cNvPr id="127" name="Google Shape;127;g4ad5b123d2_0_1428:notes"/>
-          <p:cNvSpPr txBox="1">
-            <a:spLocks noGrp="1"/>
-          </p:cNvSpPr>
-          <p:nvPr>
-            <p:ph type="body" idx="1"/>
-          </p:nvPr>
-        </p:nvSpPr>
-        <p:spPr>
-          <a:xfrm>
-            <a:off x="685800" y="4343400"/>
-            <a:ext cx="5486400" cy="4114800"/>
-          </a:xfrm>
-          <a:prstGeom prst="rect">
-            <a:avLst/>
-          </a:prstGeom>
-        </p:spPr>
-        <p:txBody>
-          <a:bodyPr spcFirstLastPara="1" wrap="square" lIns="91425" tIns="91425" rIns="91425" bIns="91425" anchor="t" anchorCtr="0">
-            <a:noAutofit/>
-          </a:bodyPr>
-          <a:lstStyle/>
-          <a:p>
-            <a:pPr marL="0" lvl="0" indent="0" algn="l" rtl="0">
-              <a:spcBef>
-                <a:spcPts val="0"/>
-              </a:spcBef>
-              <a:spcAft>
-                <a:spcPts val="0"/>
-              </a:spcAft>
-              <a:buNone/>
-            </a:pPr>
-            <a:endParaRPr/>
-          </a:p>
-        </p:txBody>
-      </p:sp>
-    </p:spTree>
-  </p:cSld>
-  <p:clrMapOvr>
-    <a:masterClrMapping/>
-  </p:clrMapOvr>
-</p:notes>
-</file>
-
-<file path=ppt/notesSlides/notesSlide11.xml><?xml version="1.0" encoding="utf-8"?>
-<p:notes xmlns:a="http://schemas.openxmlformats.org/drawingml/2006/main" xmlns:r="http://schemas.openxmlformats.org/officeDocument/2006/relationships" xmlns:p="http://schemas.openxmlformats.org/presentationml/2006/main" showMasterSp="0" showMasterPhAnim="0">
-  <p:cSld>
-    <p:spTree>
-      <p:nvGrpSpPr>
-        <p:cNvPr id="1" name="Shape 133"/>
-        <p:cNvGrpSpPr/>
-        <p:nvPr/>
-      </p:nvGrpSpPr>
-      <p:grpSpPr>
-        <a:xfrm>
-          <a:off x="0" y="0"/>
-          <a:ext cx="0" cy="0"/>
-          <a:chOff x="0" y="0"/>
-          <a:chExt cx="0" cy="0"/>
-        </a:xfrm>
-      </p:grpSpPr>
-      <p:sp>
-        <p:nvSpPr>
-          <p:cNvPr id="134" name="Google Shape;134;g4ad5b123d2_3_26:notes"/>
-          <p:cNvSpPr>
-            <a:spLocks noGrp="1" noRot="1" noChangeAspect="1"/>
-          </p:cNvSpPr>
-          <p:nvPr>
-            <p:ph type="sldImg" idx="2"/>
-          </p:nvPr>
-        </p:nvSpPr>
-        <p:spPr>
-          <a:xfrm>
-            <a:off x="1143000" y="685800"/>
-            <a:ext cx="4572000" cy="3429000"/>
-          </a:xfrm>
-          <a:custGeom>
-            <a:avLst/>
-            <a:gdLst/>
-            <a:ahLst/>
-            <a:cxnLst/>
-            <a:rect l="l" t="t" r="r" b="b"/>
-            <a:pathLst>
-              <a:path w="120000" h="120000" extrusionOk="0">
-                <a:moveTo>
-                  <a:pt x="0" y="0"/>
-                </a:moveTo>
-                <a:lnTo>
-                  <a:pt x="120000" y="0"/>
-                </a:lnTo>
-                <a:lnTo>
-                  <a:pt x="120000" y="120000"/>
-                </a:lnTo>
-                <a:lnTo>
-                  <a:pt x="0" y="120000"/>
-                </a:lnTo>
-                <a:close/>
-              </a:path>
-            </a:pathLst>
-          </a:custGeom>
-        </p:spPr>
-      </p:sp>
-      <p:sp>
-        <p:nvSpPr>
-          <p:cNvPr id="135" name="Google Shape;135;g4ad5b123d2_3_26:notes"/>
-          <p:cNvSpPr txBox="1">
-            <a:spLocks noGrp="1"/>
-          </p:cNvSpPr>
-          <p:nvPr>
-            <p:ph type="body" idx="1"/>
-          </p:nvPr>
-        </p:nvSpPr>
-        <p:spPr>
-          <a:xfrm>
-            <a:off x="685800" y="4343400"/>
-            <a:ext cx="5486400" cy="4114800"/>
-          </a:xfrm>
-          <a:prstGeom prst="rect">
-            <a:avLst/>
-          </a:prstGeom>
-        </p:spPr>
-        <p:txBody>
-          <a:bodyPr spcFirstLastPara="1" wrap="square" lIns="91425" tIns="91425" rIns="91425" bIns="91425" anchor="t" anchorCtr="0">
-            <a:noAutofit/>
-          </a:bodyPr>
-          <a:lstStyle/>
-          <a:p>
-            <a:pPr marL="0" lvl="0" indent="0" algn="l" rtl="0">
-              <a:spcBef>
-                <a:spcPts val="0"/>
-              </a:spcBef>
-              <a:spcAft>
-                <a:spcPts val="0"/>
-              </a:spcAft>
-              <a:buNone/>
-            </a:pPr>
-            <a:endParaRPr/>
-          </a:p>
-        </p:txBody>
-      </p:sp>
-    </p:spTree>
-  </p:cSld>
-  <p:clrMapOvr>
-    <a:masterClrMapping/>
-  </p:clrMapOvr>
-</p:notes>
-</file>
-
-<file path=ppt/notesSlides/notesSlide12.xml><?xml version="1.0" encoding="utf-8"?>
-<p:notes xmlns:a="http://schemas.openxmlformats.org/drawingml/2006/main" xmlns:r="http://schemas.openxmlformats.org/officeDocument/2006/relationships" xmlns:p="http://schemas.openxmlformats.org/presentationml/2006/main" showMasterSp="0" showMasterPhAnim="0">
-  <p:cSld>
-    <p:spTree>
-      <p:nvGrpSpPr>
-        <p:cNvPr id="1" name="Shape 141"/>
-        <p:cNvGrpSpPr/>
-        <p:nvPr/>
-      </p:nvGrpSpPr>
-      <p:grpSpPr>
-        <a:xfrm>
-          <a:off x="0" y="0"/>
-          <a:ext cx="0" cy="0"/>
-          <a:chOff x="0" y="0"/>
-          <a:chExt cx="0" cy="0"/>
-        </a:xfrm>
-      </p:grpSpPr>
-      <p:sp>
-        <p:nvSpPr>
-          <p:cNvPr id="142" name="Google Shape;142;g4ad5b123d2_3_33:notes"/>
-          <p:cNvSpPr>
-            <a:spLocks noGrp="1" noRot="1" noChangeAspect="1"/>
-          </p:cNvSpPr>
-          <p:nvPr>
-            <p:ph type="sldImg" idx="2"/>
-          </p:nvPr>
-        </p:nvSpPr>
-        <p:spPr>
-          <a:xfrm>
-            <a:off x="1143000" y="685800"/>
-            <a:ext cx="4572000" cy="3429000"/>
-          </a:xfrm>
-          <a:custGeom>
-            <a:avLst/>
-            <a:gdLst/>
-            <a:ahLst/>
-            <a:cxnLst/>
-            <a:rect l="l" t="t" r="r" b="b"/>
-            <a:pathLst>
-              <a:path w="120000" h="120000" extrusionOk="0">
-                <a:moveTo>
-                  <a:pt x="0" y="0"/>
-                </a:moveTo>
-                <a:lnTo>
-                  <a:pt x="120000" y="0"/>
-                </a:lnTo>
-                <a:lnTo>
-                  <a:pt x="120000" y="120000"/>
-                </a:lnTo>
-                <a:lnTo>
-                  <a:pt x="0" y="120000"/>
-                </a:lnTo>
-                <a:close/>
-              </a:path>
-            </a:pathLst>
-          </a:custGeom>
-        </p:spPr>
-      </p:sp>
-      <p:sp>
-        <p:nvSpPr>
-          <p:cNvPr id="143" name="Google Shape;143;g4ad5b123d2_3_33:notes"/>
-          <p:cNvSpPr txBox="1">
-            <a:spLocks noGrp="1"/>
-          </p:cNvSpPr>
-          <p:nvPr>
-            <p:ph type="body" idx="1"/>
-          </p:nvPr>
-        </p:nvSpPr>
-        <p:spPr>
-          <a:xfrm>
-            <a:off x="685800" y="4343400"/>
-            <a:ext cx="5486400" cy="4114800"/>
-          </a:xfrm>
-          <a:prstGeom prst="rect">
-            <a:avLst/>
-          </a:prstGeom>
-        </p:spPr>
-        <p:txBody>
-          <a:bodyPr spcFirstLastPara="1" wrap="square" lIns="91425" tIns="91425" rIns="91425" bIns="91425" anchor="t" anchorCtr="0">
-            <a:noAutofit/>
-          </a:bodyPr>
-          <a:lstStyle/>
-          <a:p>
-            <a:pPr marL="0" lvl="0" indent="0" algn="l" rtl="0">
-              <a:spcBef>
-                <a:spcPts val="0"/>
-              </a:spcBef>
-              <a:spcAft>
-                <a:spcPts val="0"/>
-              </a:spcAft>
-              <a:buNone/>
-            </a:pPr>
-            <a:endParaRPr/>
-          </a:p>
-        </p:txBody>
-      </p:sp>
-    </p:spTree>
-  </p:cSld>
-  <p:clrMapOvr>
-    <a:masterClrMapping/>
-  </p:clrMapOvr>
-</p:notes>
-</file>
-
 <file path=ppt/notesSlides/notesSlide2.xml><?xml version="1.0" encoding="utf-8"?>
 <p:notes xmlns:a="http://schemas.openxmlformats.org/drawingml/2006/main" xmlns:r="http://schemas.openxmlformats.org/officeDocument/2006/relationships" xmlns:p="http://schemas.openxmlformats.org/presentationml/2006/main" showMasterSp="0" showMasterPhAnim="0">
   <p:cSld>
@@ -1323,214 +1012,6 @@
   <p:cSld>
     <p:spTree>
       <p:nvGrpSpPr>
-        <p:cNvPr id="1" name="Shape 78"/>
-        <p:cNvGrpSpPr/>
-        <p:nvPr/>
-      </p:nvGrpSpPr>
-      <p:grpSpPr>
-        <a:xfrm>
-          <a:off x="0" y="0"/>
-          <a:ext cx="0" cy="0"/>
-          <a:chOff x="0" y="0"/>
-          <a:chExt cx="0" cy="0"/>
-        </a:xfrm>
-      </p:grpSpPr>
-      <p:sp>
-        <p:nvSpPr>
-          <p:cNvPr id="79" name="Google Shape;79;g4ad5b123d2_0_346:notes"/>
-          <p:cNvSpPr>
-            <a:spLocks noGrp="1" noRot="1" noChangeAspect="1"/>
-          </p:cNvSpPr>
-          <p:nvPr>
-            <p:ph type="sldImg" idx="2"/>
-          </p:nvPr>
-        </p:nvSpPr>
-        <p:spPr>
-          <a:xfrm>
-            <a:off x="1143000" y="685800"/>
-            <a:ext cx="4572000" cy="3429000"/>
-          </a:xfrm>
-          <a:custGeom>
-            <a:avLst/>
-            <a:gdLst/>
-            <a:ahLst/>
-            <a:cxnLst/>
-            <a:rect l="l" t="t" r="r" b="b"/>
-            <a:pathLst>
-              <a:path w="120000" h="120000" extrusionOk="0">
-                <a:moveTo>
-                  <a:pt x="0" y="0"/>
-                </a:moveTo>
-                <a:lnTo>
-                  <a:pt x="120000" y="0"/>
-                </a:lnTo>
-                <a:lnTo>
-                  <a:pt x="120000" y="120000"/>
-                </a:lnTo>
-                <a:lnTo>
-                  <a:pt x="0" y="120000"/>
-                </a:lnTo>
-                <a:close/>
-              </a:path>
-            </a:pathLst>
-          </a:custGeom>
-        </p:spPr>
-      </p:sp>
-      <p:sp>
-        <p:nvSpPr>
-          <p:cNvPr id="80" name="Google Shape;80;g4ad5b123d2_0_346:notes"/>
-          <p:cNvSpPr txBox="1">
-            <a:spLocks noGrp="1"/>
-          </p:cNvSpPr>
-          <p:nvPr>
-            <p:ph type="body" idx="1"/>
-          </p:nvPr>
-        </p:nvSpPr>
-        <p:spPr>
-          <a:xfrm>
-            <a:off x="685800" y="4343400"/>
-            <a:ext cx="5486400" cy="4114800"/>
-          </a:xfrm>
-          <a:prstGeom prst="rect">
-            <a:avLst/>
-          </a:prstGeom>
-        </p:spPr>
-        <p:txBody>
-          <a:bodyPr spcFirstLastPara="1" wrap="square" lIns="91425" tIns="91425" rIns="91425" bIns="91425" anchor="t" anchorCtr="0">
-            <a:noAutofit/>
-          </a:bodyPr>
-          <a:lstStyle/>
-          <a:p>
-            <a:pPr marL="0" lvl="0" indent="0" algn="l" rtl="0">
-              <a:spcBef>
-                <a:spcPts val="0"/>
-              </a:spcBef>
-              <a:spcAft>
-                <a:spcPts val="0"/>
-              </a:spcAft>
-              <a:buNone/>
-            </a:pPr>
-            <a:endParaRPr/>
-          </a:p>
-        </p:txBody>
-      </p:sp>
-    </p:spTree>
-  </p:cSld>
-  <p:clrMapOvr>
-    <a:masterClrMapping/>
-  </p:clrMapOvr>
-</p:notes>
-</file>
-
-<file path=ppt/notesSlides/notesSlide5.xml><?xml version="1.0" encoding="utf-8"?>
-<p:notes xmlns:a="http://schemas.openxmlformats.org/drawingml/2006/main" xmlns:r="http://schemas.openxmlformats.org/officeDocument/2006/relationships" xmlns:p="http://schemas.openxmlformats.org/presentationml/2006/main" showMasterSp="0" showMasterPhAnim="0">
-  <p:cSld>
-    <p:spTree>
-      <p:nvGrpSpPr>
-        <p:cNvPr id="1" name="Shape 86"/>
-        <p:cNvGrpSpPr/>
-        <p:nvPr/>
-      </p:nvGrpSpPr>
-      <p:grpSpPr>
-        <a:xfrm>
-          <a:off x="0" y="0"/>
-          <a:ext cx="0" cy="0"/>
-          <a:chOff x="0" y="0"/>
-          <a:chExt cx="0" cy="0"/>
-        </a:xfrm>
-      </p:grpSpPr>
-      <p:sp>
-        <p:nvSpPr>
-          <p:cNvPr id="87" name="Google Shape;87;g4ad5b123d2_0_351:notes"/>
-          <p:cNvSpPr>
-            <a:spLocks noGrp="1" noRot="1" noChangeAspect="1"/>
-          </p:cNvSpPr>
-          <p:nvPr>
-            <p:ph type="sldImg" idx="2"/>
-          </p:nvPr>
-        </p:nvSpPr>
-        <p:spPr>
-          <a:xfrm>
-            <a:off x="1143000" y="685800"/>
-            <a:ext cx="4572000" cy="3429000"/>
-          </a:xfrm>
-          <a:custGeom>
-            <a:avLst/>
-            <a:gdLst/>
-            <a:ahLst/>
-            <a:cxnLst/>
-            <a:rect l="l" t="t" r="r" b="b"/>
-            <a:pathLst>
-              <a:path w="120000" h="120000" extrusionOk="0">
-                <a:moveTo>
-                  <a:pt x="0" y="0"/>
-                </a:moveTo>
-                <a:lnTo>
-                  <a:pt x="120000" y="0"/>
-                </a:lnTo>
-                <a:lnTo>
-                  <a:pt x="120000" y="120000"/>
-                </a:lnTo>
-                <a:lnTo>
-                  <a:pt x="0" y="120000"/>
-                </a:lnTo>
-                <a:close/>
-              </a:path>
-            </a:pathLst>
-          </a:custGeom>
-        </p:spPr>
-      </p:sp>
-      <p:sp>
-        <p:nvSpPr>
-          <p:cNvPr id="88" name="Google Shape;88;g4ad5b123d2_0_351:notes"/>
-          <p:cNvSpPr txBox="1">
-            <a:spLocks noGrp="1"/>
-          </p:cNvSpPr>
-          <p:nvPr>
-            <p:ph type="body" idx="1"/>
-          </p:nvPr>
-        </p:nvSpPr>
-        <p:spPr>
-          <a:xfrm>
-            <a:off x="685800" y="4343400"/>
-            <a:ext cx="5486400" cy="4114800"/>
-          </a:xfrm>
-          <a:prstGeom prst="rect">
-            <a:avLst/>
-          </a:prstGeom>
-        </p:spPr>
-        <p:txBody>
-          <a:bodyPr spcFirstLastPara="1" wrap="square" lIns="91425" tIns="91425" rIns="91425" bIns="91425" anchor="t" anchorCtr="0">
-            <a:noAutofit/>
-          </a:bodyPr>
-          <a:lstStyle/>
-          <a:p>
-            <a:pPr marL="0" lvl="0" indent="0" algn="l" rtl="0">
-              <a:spcBef>
-                <a:spcPts val="0"/>
-              </a:spcBef>
-              <a:spcAft>
-                <a:spcPts val="0"/>
-              </a:spcAft>
-              <a:buNone/>
-            </a:pPr>
-            <a:endParaRPr/>
-          </a:p>
-        </p:txBody>
-      </p:sp>
-    </p:spTree>
-  </p:cSld>
-  <p:clrMapOvr>
-    <a:masterClrMapping/>
-  </p:clrMapOvr>
-</p:notes>
-</file>
-
-<file path=ppt/notesSlides/notesSlide6.xml><?xml version="1.0" encoding="utf-8"?>
-<p:notes xmlns:a="http://schemas.openxmlformats.org/drawingml/2006/main" xmlns:r="http://schemas.openxmlformats.org/officeDocument/2006/relationships" xmlns:p="http://schemas.openxmlformats.org/presentationml/2006/main" showMasterSp="0" showMasterPhAnim="0">
-  <p:cSld>
-    <p:spTree>
-      <p:nvGrpSpPr>
         <p:cNvPr id="1" name="Shape 94"/>
         <p:cNvGrpSpPr/>
         <p:nvPr/>
@@ -1623,6 +1104,11 @@
         </p:txBody>
       </p:sp>
     </p:spTree>
+    <p:extLst>
+      <p:ext uri="{BB962C8B-B14F-4D97-AF65-F5344CB8AC3E}">
+        <p14:creationId xmlns:p14="http://schemas.microsoft.com/office/powerpoint/2010/main" val="1708869653"/>
+      </p:ext>
+    </p:extLst>
   </p:cSld>
   <p:clrMapOvr>
     <a:masterClrMapping/>
@@ -1630,12 +1116,12 @@
 </p:notes>
 </file>
 
-<file path=ppt/notesSlides/notesSlide7.xml><?xml version="1.0" encoding="utf-8"?>
+<file path=ppt/notesSlides/notesSlide5.xml><?xml version="1.0" encoding="utf-8"?>
 <p:notes xmlns:a="http://schemas.openxmlformats.org/drawingml/2006/main" xmlns:r="http://schemas.openxmlformats.org/officeDocument/2006/relationships" xmlns:p="http://schemas.openxmlformats.org/presentationml/2006/main" showMasterSp="0" showMasterPhAnim="0">
   <p:cSld>
     <p:spTree>
       <p:nvGrpSpPr>
-        <p:cNvPr id="1" name="Shape 102"/>
+        <p:cNvPr id="1" name="Shape 133"/>
         <p:cNvGrpSpPr/>
         <p:nvPr/>
       </p:nvGrpSpPr>
@@ -1649,7 +1135,7 @@
       </p:grpSpPr>
       <p:sp>
         <p:nvSpPr>
-          <p:cNvPr id="103" name="Google Shape;103;g4ad5b123d2_2_6:notes"/>
+          <p:cNvPr id="134" name="Google Shape;134;g4ad5b123d2_3_26:notes"/>
           <p:cNvSpPr>
             <a:spLocks noGrp="1" noRot="1" noChangeAspect="1"/>
           </p:cNvSpPr>
@@ -1690,7 +1176,7 @@
       </p:sp>
       <p:sp>
         <p:nvSpPr>
-          <p:cNvPr id="104" name="Google Shape;104;g4ad5b123d2_2_6:notes"/>
+          <p:cNvPr id="135" name="Google Shape;135;g4ad5b123d2_3_26:notes"/>
           <p:cNvSpPr txBox="1">
             <a:spLocks noGrp="1"/>
           </p:cNvSpPr>
@@ -1734,12 +1220,12 @@
 </p:notes>
 </file>
 
-<file path=ppt/notesSlides/notesSlide8.xml><?xml version="1.0" encoding="utf-8"?>
+<file path=ppt/notesSlides/notesSlide6.xml><?xml version="1.0" encoding="utf-8"?>
 <p:notes xmlns:a="http://schemas.openxmlformats.org/drawingml/2006/main" xmlns:r="http://schemas.openxmlformats.org/officeDocument/2006/relationships" xmlns:p="http://schemas.openxmlformats.org/presentationml/2006/main" showMasterSp="0" showMasterPhAnim="0">
   <p:cSld>
     <p:spTree>
       <p:nvGrpSpPr>
-        <p:cNvPr id="1" name="Shape 108"/>
+        <p:cNvPr id="1" name="Shape 141"/>
         <p:cNvGrpSpPr/>
         <p:nvPr/>
       </p:nvGrpSpPr>
@@ -1753,7 +1239,7 @@
       </p:grpSpPr>
       <p:sp>
         <p:nvSpPr>
-          <p:cNvPr id="109" name="Google Shape;109;g4ad5b123d2_0_1413:notes"/>
+          <p:cNvPr id="142" name="Google Shape;142;g4ad5b123d2_3_33:notes"/>
           <p:cNvSpPr>
             <a:spLocks noGrp="1" noRot="1" noChangeAspect="1"/>
           </p:cNvSpPr>
@@ -1794,111 +1280,7 @@
       </p:sp>
       <p:sp>
         <p:nvSpPr>
-          <p:cNvPr id="110" name="Google Shape;110;g4ad5b123d2_0_1413:notes"/>
-          <p:cNvSpPr txBox="1">
-            <a:spLocks noGrp="1"/>
-          </p:cNvSpPr>
-          <p:nvPr>
-            <p:ph type="body" idx="1"/>
-          </p:nvPr>
-        </p:nvSpPr>
-        <p:spPr>
-          <a:xfrm>
-            <a:off x="685800" y="4343400"/>
-            <a:ext cx="5486400" cy="4114800"/>
-          </a:xfrm>
-          <a:prstGeom prst="rect">
-            <a:avLst/>
-          </a:prstGeom>
-        </p:spPr>
-        <p:txBody>
-          <a:bodyPr spcFirstLastPara="1" wrap="square" lIns="91425" tIns="91425" rIns="91425" bIns="91425" anchor="t" anchorCtr="0">
-            <a:noAutofit/>
-          </a:bodyPr>
-          <a:lstStyle/>
-          <a:p>
-            <a:pPr marL="0" lvl="0" indent="0" algn="l" rtl="0">
-              <a:spcBef>
-                <a:spcPts val="0"/>
-              </a:spcBef>
-              <a:spcAft>
-                <a:spcPts val="0"/>
-              </a:spcAft>
-              <a:buNone/>
-            </a:pPr>
-            <a:endParaRPr/>
-          </a:p>
-        </p:txBody>
-      </p:sp>
-    </p:spTree>
-  </p:cSld>
-  <p:clrMapOvr>
-    <a:masterClrMapping/>
-  </p:clrMapOvr>
-</p:notes>
-</file>
-
-<file path=ppt/notesSlides/notesSlide9.xml><?xml version="1.0" encoding="utf-8"?>
-<p:notes xmlns:a="http://schemas.openxmlformats.org/drawingml/2006/main" xmlns:r="http://schemas.openxmlformats.org/officeDocument/2006/relationships" xmlns:p="http://schemas.openxmlformats.org/presentationml/2006/main" showMasterSp="0" showMasterPhAnim="0">
-  <p:cSld>
-    <p:spTree>
-      <p:nvGrpSpPr>
-        <p:cNvPr id="1" name="Shape 116"/>
-        <p:cNvGrpSpPr/>
-        <p:nvPr/>
-      </p:nvGrpSpPr>
-      <p:grpSpPr>
-        <a:xfrm>
-          <a:off x="0" y="0"/>
-          <a:ext cx="0" cy="0"/>
-          <a:chOff x="0" y="0"/>
-          <a:chExt cx="0" cy="0"/>
-        </a:xfrm>
-      </p:grpSpPr>
-      <p:sp>
-        <p:nvSpPr>
-          <p:cNvPr id="117" name="Google Shape;117;g4ad5b123d2_0_1423:notes"/>
-          <p:cNvSpPr>
-            <a:spLocks noGrp="1" noRot="1" noChangeAspect="1"/>
-          </p:cNvSpPr>
-          <p:nvPr>
-            <p:ph type="sldImg" idx="2"/>
-          </p:nvPr>
-        </p:nvSpPr>
-        <p:spPr>
-          <a:xfrm>
-            <a:off x="1143000" y="685800"/>
-            <a:ext cx="4572000" cy="3429000"/>
-          </a:xfrm>
-          <a:custGeom>
-            <a:avLst/>
-            <a:gdLst/>
-            <a:ahLst/>
-            <a:cxnLst/>
-            <a:rect l="l" t="t" r="r" b="b"/>
-            <a:pathLst>
-              <a:path w="120000" h="120000" extrusionOk="0">
-                <a:moveTo>
-                  <a:pt x="0" y="0"/>
-                </a:moveTo>
-                <a:lnTo>
-                  <a:pt x="120000" y="0"/>
-                </a:lnTo>
-                <a:lnTo>
-                  <a:pt x="120000" y="120000"/>
-                </a:lnTo>
-                <a:lnTo>
-                  <a:pt x="0" y="120000"/>
-                </a:lnTo>
-                <a:close/>
-              </a:path>
-            </a:pathLst>
-          </a:custGeom>
-        </p:spPr>
-      </p:sp>
-      <p:sp>
-        <p:nvSpPr>
-          <p:cNvPr id="118" name="Google Shape;118;g4ad5b123d2_0_1423:notes"/>
+          <p:cNvPr id="143" name="Google Shape;143;g4ad5b123d2_3_33:notes"/>
           <p:cNvSpPr txBox="1">
             <a:spLocks noGrp="1"/>
           </p:cNvSpPr>
@@ -6703,7 +6085,7 @@
               <a:buNone/>
             </a:pPr>
             <a:r>
-              <a:rPr lang="ru" sz="2400" b="0">
+              <a:rPr lang="ru" sz="3200" b="0" dirty="0">
                 <a:solidFill>
                   <a:srgbClr val="000000"/>
                 </a:solidFill>
@@ -6715,7 +6097,7 @@
               <a:t>УИР</a:t>
             </a:r>
             <a:r>
-              <a:rPr lang="ru" sz="2400">
+              <a:rPr lang="ru" sz="3200" dirty="0">
                 <a:solidFill>
                   <a:srgbClr val="000000"/>
                 </a:solidFill>
@@ -6726,7 +6108,7 @@
               </a:rPr>
               <a:t>С</a:t>
             </a:r>
-            <a:endParaRPr sz="2400" b="0">
+            <a:endParaRPr sz="3200" b="0" dirty="0">
               <a:solidFill>
                 <a:srgbClr val="000000"/>
               </a:solidFill>
@@ -6747,7 +6129,7 @@
               <a:buNone/>
             </a:pPr>
             <a:r>
-              <a:rPr lang="ru" sz="2400" b="0">
+              <a:rPr lang="ru" sz="3200" b="0" dirty="0">
                 <a:solidFill>
                   <a:srgbClr val="000000"/>
                 </a:solidFill>
@@ -6758,7 +6140,7 @@
               </a:rPr>
               <a:t>Игровой бот с алгоритмическим ИИ</a:t>
             </a:r>
-            <a:endParaRPr sz="2400" b="0">
+            <a:endParaRPr sz="3200" b="0" dirty="0">
               <a:solidFill>
                 <a:srgbClr val="000000"/>
               </a:solidFill>
@@ -6778,7 +6160,7 @@
               </a:spcAft>
               <a:buNone/>
             </a:pPr>
-            <a:endParaRPr sz="2400" b="0">
+            <a:endParaRPr sz="2400" b="0" dirty="0">
               <a:solidFill>
                 <a:srgbClr val="000000"/>
               </a:solidFill>
@@ -6833,7 +6215,7 @@
               <a:buNone/>
             </a:pPr>
             <a:r>
-              <a:rPr lang="ru">
+              <a:rPr lang="ru" dirty="0">
                 <a:solidFill>
                   <a:srgbClr val="000000"/>
                 </a:solidFill>
@@ -6844,7 +6226,7 @@
               </a:rPr>
               <a:t>Выполнили студенты группы 8И6A Видякин Г.И. и Голушков А.Н.</a:t>
             </a:r>
-            <a:endParaRPr>
+            <a:endParaRPr dirty="0">
               <a:solidFill>
                 <a:srgbClr val="000000"/>
               </a:solidFill>
@@ -6865,7 +6247,7 @@
               <a:buNone/>
             </a:pPr>
             <a:r>
-              <a:rPr lang="ru">
+              <a:rPr lang="ru" dirty="0">
                 <a:solidFill>
                   <a:srgbClr val="000000"/>
                 </a:solidFill>
@@ -6876,7 +6258,7 @@
               </a:rPr>
               <a:t>Руководитель: Мыцко Е.А</a:t>
             </a:r>
-            <a:endParaRPr>
+            <a:endParaRPr dirty="0">
               <a:solidFill>
                 <a:srgbClr val="000000"/>
               </a:solidFill>
@@ -6975,7 +6357,7 @@
   <p:cSld>
     <p:spTree>
       <p:nvGrpSpPr>
-        <p:cNvPr id="1" name="Shape 128"/>
+        <p:cNvPr id="1" name="Shape 97"/>
         <p:cNvGrpSpPr/>
         <p:nvPr/>
       </p:nvGrpSpPr>
@@ -6989,7 +6371,7 @@
       </p:grpSpPr>
       <p:sp>
         <p:nvSpPr>
-          <p:cNvPr id="129" name="Google Shape;129;p22"/>
+          <p:cNvPr id="98" name="Google Shape;98;p18"/>
           <p:cNvSpPr txBox="1">
             <a:spLocks noGrp="1"/>
           </p:cNvSpPr>
@@ -7026,20 +6408,28 @@
                 <a:solidFill>
                   <a:srgbClr val="000000"/>
                 </a:solidFill>
+                <a:latin typeface="Arial"/>
+                <a:ea typeface="Arial"/>
+                <a:cs typeface="Arial"/>
+                <a:sym typeface="Arial"/>
               </a:rPr>
-              <a:t>Место молитвы</a:t>
+              <a:t>Искусственный интеллект</a:t>
             </a:r>
-            <a:endParaRPr>
+            <a:endParaRPr b="0">
               <a:solidFill>
                 <a:srgbClr val="000000"/>
               </a:solidFill>
+              <a:latin typeface="Arial"/>
+              <a:ea typeface="Arial"/>
+              <a:cs typeface="Arial"/>
+              <a:sym typeface="Arial"/>
             </a:endParaRPr>
           </a:p>
         </p:txBody>
       </p:sp>
       <p:sp>
         <p:nvSpPr>
-          <p:cNvPr id="130" name="Google Shape;130;p22"/>
+          <p:cNvPr id="99" name="Google Shape;99;p18"/>
           <p:cNvSpPr txBox="1">
             <a:spLocks noGrp="1"/>
           </p:cNvSpPr>
@@ -7049,8 +6439,8 @@
         </p:nvSpPr>
         <p:spPr>
           <a:xfrm>
-            <a:off x="387900" y="1842350"/>
-            <a:ext cx="7728300" cy="2969700"/>
+            <a:off x="387900" y="1986425"/>
+            <a:ext cx="4960500" cy="4314900"/>
           </a:xfrm>
           <a:prstGeom prst="rect">
             <a:avLst/>
@@ -7062,7 +6452,7 @@
           </a:bodyPr>
           <a:lstStyle/>
           <a:p>
-            <a:pPr marL="0" lvl="0" indent="0" algn="l" rtl="0">
+            <a:pPr marL="457200" lvl="0" indent="-342900" algn="l" rtl="0">
               <a:spcBef>
                 <a:spcPts val="0"/>
               </a:spcBef>
@@ -7072,12 +6462,12 @@
               <a:buClr>
                 <a:srgbClr val="000000"/>
               </a:buClr>
-              <a:buSzPts val="1100"/>
+              <a:buSzPts val="1800"/>
               <a:buFont typeface="Arial"/>
-              <a:buNone/>
+              <a:buChar char="●"/>
             </a:pPr>
             <a:r>
-              <a:rPr lang="ru" sz="1600">
+              <a:rPr lang="ru" dirty="0">
                 <a:solidFill>
                   <a:srgbClr val="000000"/>
                 </a:solidFill>
@@ -7086,9 +6476,9 @@
                 <a:cs typeface="Arial"/>
                 <a:sym typeface="Arial"/>
               </a:rPr>
-              <a:t>Будда, Иисус, Аллах, Рассказчик.</a:t>
+              <a:t>Оценивает обстановку в которой находится и выполняет определенные действия</a:t>
             </a:r>
-            <a:endParaRPr sz="1600">
+            <a:endParaRPr dirty="0">
               <a:solidFill>
                 <a:srgbClr val="000000"/>
               </a:solidFill>
@@ -7099,17 +6489,22 @@
             </a:endParaRPr>
           </a:p>
           <a:p>
-            <a:pPr marL="0" lvl="0" indent="0" algn="l" rtl="0">
-              <a:spcBef>
-                <a:spcPts val="1600"/>
-              </a:spcBef>
-              <a:spcAft>
-                <a:spcPts val="0"/>
-              </a:spcAft>
-              <a:buNone/>
+            <a:pPr marL="457200" lvl="0" indent="-342900" algn="l" rtl="0">
+              <a:spcBef>
+                <a:spcPts val="0"/>
+              </a:spcBef>
+              <a:spcAft>
+                <a:spcPts val="0"/>
+              </a:spcAft>
+              <a:buClr>
+                <a:srgbClr val="000000"/>
+              </a:buClr>
+              <a:buSzPts val="1800"/>
+              <a:buFont typeface="Arial"/>
+              <a:buChar char="●"/>
             </a:pPr>
             <a:r>
-              <a:rPr lang="ru" sz="1600">
+              <a:rPr lang="ru" dirty="0">
                 <a:solidFill>
                   <a:srgbClr val="000000"/>
                 </a:solidFill>
@@ -7118,9 +6513,9 @@
                 <a:cs typeface="Arial"/>
                 <a:sym typeface="Arial"/>
               </a:rPr>
-              <a:t>При мольбе каждому из богов повышается уровень доверия бога к нашему персонажу.</a:t>
+              <a:t>Цикл Sense/Think/Act (Чувствовать/Мыслить/Действовать)</a:t>
             </a:r>
-            <a:endParaRPr sz="1600">
+            <a:endParaRPr dirty="0">
               <a:solidFill>
                 <a:srgbClr val="000000"/>
               </a:solidFill>
@@ -7131,17 +6526,22 @@
             </a:endParaRPr>
           </a:p>
           <a:p>
-            <a:pPr marL="0" lvl="0" indent="0" algn="l" rtl="0">
-              <a:spcBef>
-                <a:spcPts val="1600"/>
-              </a:spcBef>
-              <a:spcAft>
-                <a:spcPts val="0"/>
-              </a:spcAft>
-              <a:buNone/>
+            <a:pPr marL="457200" lvl="0" indent="-342900" algn="l" rtl="0">
+              <a:spcBef>
+                <a:spcPts val="0"/>
+              </a:spcBef>
+              <a:spcAft>
+                <a:spcPts val="0"/>
+              </a:spcAft>
+              <a:buClr>
+                <a:srgbClr val="000000"/>
+              </a:buClr>
+              <a:buSzPts val="1800"/>
+              <a:buFont typeface="Arial"/>
+              <a:buChar char="●"/>
             </a:pPr>
             <a:r>
-              <a:rPr lang="ru" sz="1600">
+              <a:rPr lang="ru" dirty="0">
                 <a:solidFill>
                   <a:srgbClr val="000000"/>
                 </a:solidFill>
@@ -7150,9 +6550,9 @@
                 <a:cs typeface="Arial"/>
                 <a:sym typeface="Arial"/>
               </a:rPr>
-              <a:t>Каждый из богов не одобряет, когда игрок молится другим богам. </a:t>
+              <a:t>Восприятие среды в текстовой игре – это ответы игрока и его характеристики. В зависимости от передаваемых алгоритму параметров он должен сделать цепочку решений и выдать ответ</a:t>
             </a:r>
-            <a:endParaRPr sz="1600">
+            <a:endParaRPr dirty="0">
               <a:solidFill>
                 <a:srgbClr val="000000"/>
               </a:solidFill>
@@ -7162,64 +6562,11 @@
               <a:sym typeface="Arial"/>
             </a:endParaRPr>
           </a:p>
-          <a:p>
-            <a:pPr marL="0" lvl="0" indent="0" algn="l" rtl="0">
-              <a:spcBef>
-                <a:spcPts val="1600"/>
-              </a:spcBef>
-              <a:spcAft>
-                <a:spcPts val="0"/>
-              </a:spcAft>
-              <a:buClr>
-                <a:srgbClr val="000000"/>
-              </a:buClr>
-              <a:buSzPts val="1100"/>
-              <a:buFont typeface="Arial"/>
-              <a:buNone/>
-            </a:pPr>
-            <a:r>
-              <a:rPr lang="ru" sz="1600">
-                <a:solidFill>
-                  <a:srgbClr val="000000"/>
-                </a:solidFill>
-                <a:latin typeface="Arial"/>
-                <a:ea typeface="Arial"/>
-                <a:cs typeface="Arial"/>
-                <a:sym typeface="Arial"/>
-              </a:rPr>
-              <a:t>При прохождении некоторых комнат уровень взаимодействия с богом может влиять на сюжет, как в положительную, так и в отрицательную сторону.</a:t>
-            </a:r>
-            <a:endParaRPr sz="1600">
-              <a:solidFill>
-                <a:srgbClr val="000000"/>
-              </a:solidFill>
-              <a:latin typeface="Arial"/>
-              <a:ea typeface="Arial"/>
-              <a:cs typeface="Arial"/>
-              <a:sym typeface="Arial"/>
-            </a:endParaRPr>
-          </a:p>
-          <a:p>
-            <a:pPr marL="0" lvl="0" indent="0" algn="l" rtl="0">
-              <a:spcBef>
-                <a:spcPts val="1600"/>
-              </a:spcBef>
-              <a:spcAft>
-                <a:spcPts val="1600"/>
-              </a:spcAft>
-              <a:buNone/>
-            </a:pPr>
-            <a:endParaRPr>
-              <a:solidFill>
-                <a:srgbClr val="000000"/>
-              </a:solidFill>
-            </a:endParaRPr>
-          </a:p>
         </p:txBody>
       </p:sp>
       <p:pic>
         <p:nvPicPr>
-          <p:cNvPr id="131" name="Google Shape;131;p22"/>
+          <p:cNvPr id="100" name="Google Shape;100;p18"/>
           <p:cNvPicPr preferRelativeResize="0"/>
           <p:nvPr/>
         </p:nvPicPr>
@@ -7233,8 +6580,8 @@
         </p:blipFill>
         <p:spPr>
           <a:xfrm>
-            <a:off x="1410950" y="4485525"/>
-            <a:ext cx="5682200" cy="2007475"/>
+            <a:off x="5941035" y="1525400"/>
+            <a:ext cx="2815065" cy="4863899"/>
           </a:xfrm>
           <a:prstGeom prst="rect">
             <a:avLst/>
@@ -7247,7 +6594,7 @@
       </p:pic>
       <p:sp>
         <p:nvSpPr>
-          <p:cNvPr id="132" name="Google Shape;132;p22"/>
+          <p:cNvPr id="101" name="Google Shape;101;p18"/>
           <p:cNvSpPr txBox="1">
             <a:spLocks noGrp="1"/>
           </p:cNvSpPr>
@@ -7309,6 +6656,11 @@
         </p:txBody>
       </p:sp>
     </p:spTree>
+    <p:extLst>
+      <p:ext uri="{BB962C8B-B14F-4D97-AF65-F5344CB8AC3E}">
+        <p14:creationId xmlns:p14="http://schemas.microsoft.com/office/powerpoint/2010/main" val="1237449069"/>
+      </p:ext>
+    </p:extLst>
   </p:cSld>
   <p:clrMapOvr>
     <a:masterClrMapping/>
@@ -7345,7 +6697,7 @@
         </p:nvSpPr>
         <p:spPr>
           <a:xfrm>
-            <a:off x="387900" y="236100"/>
+            <a:off x="387899" y="327558"/>
             <a:ext cx="8368200" cy="914700"/>
           </a:xfrm>
           <a:prstGeom prst="rect">
@@ -7368,14 +6720,14 @@
               <a:buNone/>
             </a:pPr>
             <a:r>
-              <a:rPr lang="ru">
+              <a:rPr lang="ru" dirty="0">
                 <a:solidFill>
                   <a:srgbClr val="000000"/>
                 </a:solidFill>
               </a:rPr>
               <a:t>Принятие сложных решений ИИ</a:t>
             </a:r>
-            <a:endParaRPr>
+            <a:endParaRPr dirty="0">
               <a:solidFill>
                 <a:srgbClr val="000000"/>
               </a:solidFill>
@@ -7437,7 +6789,7 @@
         </p:blipFill>
         <p:spPr>
           <a:xfrm>
-            <a:off x="778687" y="1067675"/>
+            <a:off x="778687" y="947883"/>
             <a:ext cx="7586625" cy="5732700"/>
           </a:xfrm>
           <a:prstGeom prst="rect">
@@ -7521,6 +6873,204 @@
 </file>
 
 <file path=ppt/slides/slide12.xml><?xml version="1.0" encoding="utf-8"?>
+<p:sld xmlns:a="http://schemas.openxmlformats.org/drawingml/2006/main" xmlns:r="http://schemas.openxmlformats.org/officeDocument/2006/relationships" xmlns:p="http://schemas.openxmlformats.org/presentationml/2006/main">
+  <p:cSld>
+    <p:spTree>
+      <p:nvGrpSpPr>
+        <p:cNvPr id="1" name=""/>
+        <p:cNvGrpSpPr/>
+        <p:nvPr/>
+      </p:nvGrpSpPr>
+      <p:grpSpPr>
+        <a:xfrm>
+          <a:off x="0" y="0"/>
+          <a:ext cx="0" cy="0"/>
+          <a:chOff x="0" y="0"/>
+          <a:chExt cx="0" cy="0"/>
+        </a:xfrm>
+      </p:grpSpPr>
+      <p:sp>
+        <p:nvSpPr>
+          <p:cNvPr id="2" name="Заголовок 1"/>
+          <p:cNvSpPr>
+            <a:spLocks noGrp="1"/>
+          </p:cNvSpPr>
+          <p:nvPr>
+            <p:ph type="title"/>
+          </p:nvPr>
+        </p:nvSpPr>
+        <p:spPr/>
+        <p:txBody>
+          <a:bodyPr/>
+          <a:lstStyle/>
+          <a:p>
+            <a:r>
+              <a:rPr lang="ru" dirty="0">
+                <a:solidFill>
+                  <a:srgbClr val="000000"/>
+                </a:solidFill>
+              </a:rPr>
+              <a:t>Принятие сложных решений ИИ</a:t>
+            </a:r>
+            <a:endParaRPr lang="ru-RU" dirty="0"/>
+          </a:p>
+        </p:txBody>
+      </p:sp>
+      <p:sp>
+        <p:nvSpPr>
+          <p:cNvPr id="3" name="Текст 2"/>
+          <p:cNvSpPr>
+            <a:spLocks noGrp="1"/>
+          </p:cNvSpPr>
+          <p:nvPr>
+            <p:ph type="body" idx="1"/>
+          </p:nvPr>
+        </p:nvSpPr>
+        <p:spPr/>
+        <p:txBody>
+          <a:bodyPr/>
+          <a:lstStyle/>
+          <a:p>
+            <a:r>
+              <a:rPr lang="ru-RU" dirty="0" smtClean="0"/>
+              <a:t>Следуя данной логике, были созданы следующие состояния монстра:</a:t>
+            </a:r>
+          </a:p>
+          <a:p>
+            <a:pPr lvl="1"/>
+            <a:r>
+              <a:rPr lang="ru-RU" dirty="0"/>
+              <a:t>Бездействие (</a:t>
+            </a:r>
+            <a:r>
+              <a:rPr lang="ru-RU" dirty="0" err="1"/>
+              <a:t>Idling</a:t>
+            </a:r>
+            <a:r>
+              <a:rPr lang="ru-RU" dirty="0" smtClean="0"/>
+              <a:t>) – </a:t>
+            </a:r>
+            <a:r>
+              <a:rPr lang="ru-RU" dirty="0"/>
+              <a:t>если на него не вышел </a:t>
+            </a:r>
+            <a:r>
+              <a:rPr lang="ru-RU" dirty="0" smtClean="0"/>
+              <a:t>игрок </a:t>
+            </a:r>
+            <a:endParaRPr lang="ru-RU" dirty="0"/>
+          </a:p>
+          <a:p>
+            <a:pPr lvl="1"/>
+            <a:r>
+              <a:rPr lang="ru-RU" dirty="0"/>
+              <a:t>Атакующий (</a:t>
+            </a:r>
+            <a:r>
+              <a:rPr lang="ru-RU" dirty="0" err="1"/>
+              <a:t>Attacking</a:t>
+            </a:r>
+            <a:r>
+              <a:rPr lang="ru-RU" dirty="0" smtClean="0"/>
+              <a:t>) – если на него вышел противник, то атакует, если противника нет – возвращается к бездействию</a:t>
+            </a:r>
+            <a:endParaRPr lang="ru-RU" dirty="0"/>
+          </a:p>
+          <a:p>
+            <a:pPr lvl="1"/>
+            <a:r>
+              <a:rPr lang="ru-RU" dirty="0"/>
+              <a:t>Скрывающийся (</a:t>
+            </a:r>
+            <a:r>
+              <a:rPr lang="ru-RU" dirty="0" err="1"/>
+              <a:t>Hiding</a:t>
+            </a:r>
+            <a:r>
+              <a:rPr lang="ru-RU" dirty="0"/>
+              <a:t>) </a:t>
+            </a:r>
+            <a:r>
+              <a:rPr lang="ru-RU" dirty="0" smtClean="0"/>
+              <a:t>– </a:t>
+            </a:r>
+            <a:r>
+              <a:rPr lang="ru-RU" dirty="0"/>
+              <a:t>Если монстр атакует, но сильно ранен, он </a:t>
+            </a:r>
+            <a:r>
+              <a:rPr lang="ru-RU" dirty="0" smtClean="0"/>
+              <a:t>убегает, т.е. переходит в состояние бездействия со снижением радиуса обнаружения и уровня атаки</a:t>
+            </a:r>
+            <a:endParaRPr lang="ru-RU" dirty="0"/>
+          </a:p>
+          <a:p>
+            <a:pPr lvl="1"/>
+            <a:r>
+              <a:rPr lang="ru-RU" dirty="0"/>
+              <a:t>Ярость (</a:t>
+            </a:r>
+            <a:r>
+              <a:rPr lang="ru-RU" dirty="0" err="1"/>
+              <a:t>Rage</a:t>
+            </a:r>
+            <a:r>
+              <a:rPr lang="ru-RU" dirty="0"/>
+              <a:t>) -  Если монстр атакует, но сильно ранен, у него повышается атака</a:t>
+            </a:r>
+          </a:p>
+          <a:p>
+            <a:pPr lvl="1"/>
+            <a:endParaRPr lang="ru-RU" dirty="0"/>
+          </a:p>
+        </p:txBody>
+      </p:sp>
+      <p:sp>
+        <p:nvSpPr>
+          <p:cNvPr id="4" name="Номер слайда 3"/>
+          <p:cNvSpPr>
+            <a:spLocks noGrp="1"/>
+          </p:cNvSpPr>
+          <p:nvPr>
+            <p:ph type="sldNum" idx="12"/>
+          </p:nvPr>
+        </p:nvSpPr>
+        <p:spPr/>
+        <p:txBody>
+          <a:bodyPr/>
+          <a:lstStyle/>
+          <a:p>
+            <a:pPr marL="0" lvl="0" indent="0" algn="r" rtl="0">
+              <a:spcBef>
+                <a:spcPts val="0"/>
+              </a:spcBef>
+              <a:spcAft>
+                <a:spcPts val="0"/>
+              </a:spcAft>
+              <a:buNone/>
+            </a:pPr>
+            <a:fld id="{00000000-1234-1234-1234-123412341234}" type="slidenum">
+              <a:rPr lang="ru" smtClean="0"/>
+              <a:t>12</a:t>
+            </a:fld>
+            <a:endParaRPr lang="ru"/>
+          </a:p>
+        </p:txBody>
+      </p:sp>
+    </p:spTree>
+    <p:extLst>
+      <p:ext uri="{BB962C8B-B14F-4D97-AF65-F5344CB8AC3E}">
+        <p14:creationId xmlns:p14="http://schemas.microsoft.com/office/powerpoint/2010/main" val="4189447289"/>
+      </p:ext>
+    </p:extLst>
+  </p:cSld>
+  <p:clrMapOvr>
+    <a:masterClrMapping/>
+  </p:clrMapOvr>
+</p:sld>
+</file>
+
+<file path=ppt/slides/slide13.xml><?xml version="1.0" encoding="utf-8"?>
 <p:sld xmlns:a="http://schemas.openxmlformats.org/drawingml/2006/main" xmlns:r="http://schemas.openxmlformats.org/officeDocument/2006/relationships" xmlns:p="http://schemas.openxmlformats.org/presentationml/2006/main">
   <p:cSld>
     <p:spTree>
@@ -7808,7 +7358,7 @@
         <p:spPr>
           <a:xfrm>
             <a:off x="387900" y="1986425"/>
-            <a:ext cx="4932900" cy="4105200"/>
+            <a:ext cx="7213050" cy="4105200"/>
           </a:xfrm>
           <a:prstGeom prst="rect">
             <a:avLst/>
@@ -7820,152 +7370,88 @@
           </a:bodyPr>
           <a:lstStyle/>
           <a:p>
-            <a:pPr marL="1003300" lvl="0" indent="-228600" algn="l" rtl="0">
-              <a:spcBef>
-                <a:spcPts val="0"/>
-              </a:spcBef>
-              <a:spcAft>
-                <a:spcPts val="0"/>
-              </a:spcAft>
-              <a:buClr>
-                <a:srgbClr val="000000"/>
-              </a:buClr>
-              <a:buSzPts val="1100"/>
-              <a:buFont typeface="Arial"/>
-              <a:buNone/>
+            <a:pPr lvl="0">
+              <a:buFont typeface="+mj-lt"/>
+              <a:buAutoNum type="arabicPeriod"/>
             </a:pPr>
             <a:r>
-              <a:rPr lang="ru">
+              <a:rPr lang="ru-RU" dirty="0">
                 <a:solidFill>
-                  <a:srgbClr val="000000"/>
+                  <a:schemeClr val="tx1"/>
                 </a:solidFill>
-                <a:latin typeface="Arial"/>
-                <a:ea typeface="Arial"/>
-                <a:cs typeface="Arial"/>
-                <a:sym typeface="Arial"/>
               </a:rPr>
-              <a:t>1.    Изучение API Telegram;</a:t>
+              <a:t>Улучшить информирование в отладке</a:t>
             </a:r>
-            <a:endParaRPr>
-              <a:solidFill>
-                <a:srgbClr val="000000"/>
-              </a:solidFill>
-              <a:latin typeface="Arial"/>
-              <a:ea typeface="Arial"/>
-              <a:cs typeface="Arial"/>
-              <a:sym typeface="Arial"/>
-            </a:endParaRPr>
-          </a:p>
-          <a:p>
-            <a:pPr marL="1003300" lvl="0" indent="-228600" algn="l" rtl="0">
-              <a:spcBef>
-                <a:spcPts val="0"/>
-              </a:spcBef>
-              <a:spcAft>
-                <a:spcPts val="0"/>
-              </a:spcAft>
-              <a:buClr>
-                <a:srgbClr val="000000"/>
-              </a:buClr>
-              <a:buSzPts val="1100"/>
-              <a:buFont typeface="Arial"/>
-              <a:buNone/>
+          </a:p>
+          <a:p>
+            <a:pPr lvl="0">
+              <a:buFont typeface="+mj-lt"/>
+              <a:buAutoNum type="arabicPeriod"/>
             </a:pPr>
             <a:r>
-              <a:rPr lang="ru">
+              <a:rPr lang="ru-RU" dirty="0">
                 <a:solidFill>
-                  <a:srgbClr val="000000"/>
+                  <a:schemeClr val="tx1"/>
                 </a:solidFill>
-                <a:latin typeface="Arial"/>
-                <a:ea typeface="Arial"/>
-                <a:cs typeface="Arial"/>
-                <a:sym typeface="Arial"/>
               </a:rPr>
-              <a:t>2.    Изучение Python;</a:t>
+              <a:t>Создание питомцев</a:t>
             </a:r>
-            <a:endParaRPr>
-              <a:solidFill>
-                <a:srgbClr val="000000"/>
-              </a:solidFill>
-              <a:latin typeface="Arial"/>
-              <a:ea typeface="Arial"/>
-              <a:cs typeface="Arial"/>
-              <a:sym typeface="Arial"/>
-            </a:endParaRPr>
-          </a:p>
-          <a:p>
-            <a:pPr marL="1003300" lvl="0" indent="-228600" algn="l" rtl="0">
-              <a:spcBef>
-                <a:spcPts val="0"/>
-              </a:spcBef>
-              <a:spcAft>
-                <a:spcPts val="0"/>
-              </a:spcAft>
-              <a:buClr>
-                <a:srgbClr val="000000"/>
-              </a:buClr>
-              <a:buSzPts val="1100"/>
-              <a:buFont typeface="Arial"/>
-              <a:buNone/>
+          </a:p>
+          <a:p>
+            <a:pPr lvl="0">
+              <a:buFont typeface="+mj-lt"/>
+              <a:buAutoNum type="arabicPeriod"/>
             </a:pPr>
             <a:r>
-              <a:rPr lang="ru">
+              <a:rPr lang="ru-RU" dirty="0">
                 <a:solidFill>
-                  <a:srgbClr val="000000"/>
+                  <a:schemeClr val="tx1"/>
                 </a:solidFill>
-                <a:latin typeface="Arial"/>
-                <a:ea typeface="Arial"/>
-                <a:cs typeface="Arial"/>
-                <a:sym typeface="Arial"/>
               </a:rPr>
-              <a:t>3.    Создание бота;</a:t>
+              <a:t>Разделение сложности уровней</a:t>
             </a:r>
-            <a:endParaRPr>
-              <a:solidFill>
-                <a:srgbClr val="000000"/>
-              </a:solidFill>
-              <a:latin typeface="Arial"/>
-              <a:ea typeface="Arial"/>
-              <a:cs typeface="Arial"/>
-              <a:sym typeface="Arial"/>
-            </a:endParaRPr>
-          </a:p>
-          <a:p>
-            <a:pPr marL="1003300" lvl="0" indent="-228600" algn="l" rtl="0">
-              <a:spcBef>
-                <a:spcPts val="0"/>
-              </a:spcBef>
-              <a:spcAft>
-                <a:spcPts val="0"/>
-              </a:spcAft>
-              <a:buClr>
-                <a:srgbClr val="000000"/>
-              </a:buClr>
-              <a:buSzPts val="1100"/>
-              <a:buFont typeface="Arial"/>
-              <a:buNone/>
+          </a:p>
+          <a:p>
+            <a:pPr lvl="0">
+              <a:buFont typeface="+mj-lt"/>
+              <a:buAutoNum type="arabicPeriod"/>
             </a:pPr>
             <a:r>
-              <a:rPr lang="ru">
+              <a:rPr lang="ru-RU" dirty="0">
                 <a:solidFill>
-                  <a:srgbClr val="000000"/>
+                  <a:schemeClr val="tx1"/>
                 </a:solidFill>
-                <a:latin typeface="Arial"/>
-                <a:ea typeface="Arial"/>
-                <a:cs typeface="Arial"/>
-                <a:sym typeface="Arial"/>
               </a:rPr>
-              <a:t>4.    Изучение алгоритмического ИИ.</a:t>
+              <a:t>Создание новых уровней</a:t>
             </a:r>
-            <a:endParaRPr>
-              <a:solidFill>
-                <a:srgbClr val="000000"/>
-              </a:solidFill>
-              <a:latin typeface="Arial"/>
-              <a:ea typeface="Arial"/>
-              <a:cs typeface="Arial"/>
-              <a:sym typeface="Arial"/>
-            </a:endParaRPr>
+          </a:p>
+          <a:p>
+            <a:pPr lvl="0">
+              <a:buFont typeface="+mj-lt"/>
+              <a:buAutoNum type="arabicPeriod"/>
+            </a:pPr>
+            <a:r>
+              <a:rPr lang="ru-RU" dirty="0">
+                <a:solidFill>
+                  <a:schemeClr val="tx1"/>
+                </a:solidFill>
+              </a:rPr>
+              <a:t>Создание новых предметов</a:t>
+            </a:r>
+          </a:p>
+          <a:p>
+            <a:pPr lvl="0">
+              <a:buFont typeface="+mj-lt"/>
+              <a:buAutoNum type="arabicPeriod"/>
+            </a:pPr>
+            <a:r>
+              <a:rPr lang="ru-RU" dirty="0">
+                <a:solidFill>
+                  <a:schemeClr val="tx1"/>
+                </a:solidFill>
+              </a:rPr>
+              <a:t>Создание более сложной модели алгоритмического ИИ</a:t>
+            </a:r>
           </a:p>
           <a:p>
             <a:pPr marL="0" lvl="0" indent="0" algn="l" rtl="0">
@@ -7977,7 +7463,7 @@
               </a:spcAft>
               <a:buNone/>
             </a:pPr>
-            <a:endParaRPr>
+            <a:endParaRPr dirty="0">
               <a:solidFill>
                 <a:srgbClr val="000000"/>
               </a:solidFill>
@@ -8005,8 +7491,8 @@
         </p:blipFill>
         <p:spPr>
           <a:xfrm>
-            <a:off x="6128325" y="4299112"/>
-            <a:ext cx="1899101" cy="1899101"/>
+            <a:off x="6197176" y="4405700"/>
+            <a:ext cx="1680000" cy="1685925"/>
           </a:xfrm>
           <a:prstGeom prst="rect">
             <a:avLst/>
@@ -8033,8 +7519,8 @@
         </p:blipFill>
         <p:spPr>
           <a:xfrm>
-            <a:off x="3172725" y="3894862"/>
-            <a:ext cx="2798550" cy="2798550"/>
+            <a:off x="3172725" y="3781425"/>
+            <a:ext cx="2894700" cy="2911987"/>
           </a:xfrm>
           <a:prstGeom prst="rect">
             <a:avLst/>
@@ -8061,8 +7547,8 @@
         </p:blipFill>
         <p:spPr>
           <a:xfrm>
-            <a:off x="1264275" y="4405700"/>
-            <a:ext cx="1581150" cy="1685925"/>
+            <a:off x="1264275" y="4124326"/>
+            <a:ext cx="1908450" cy="1967300"/>
           </a:xfrm>
           <a:prstGeom prst="rect">
             <a:avLst/>
@@ -8224,14 +7710,14 @@
               <a:buNone/>
             </a:pPr>
             <a:r>
-              <a:rPr lang="ru">
+              <a:rPr lang="ru" dirty="0">
                 <a:solidFill>
                   <a:srgbClr val="000000"/>
                 </a:solidFill>
               </a:rPr>
               <a:t>Введение</a:t>
             </a:r>
-            <a:endParaRPr>
+            <a:endParaRPr dirty="0">
               <a:solidFill>
                 <a:srgbClr val="000000"/>
               </a:solidFill>
@@ -8279,7 +7765,7 @@
               <a:buChar char="●"/>
             </a:pPr>
             <a:r>
-              <a:rPr lang="ru">
+              <a:rPr lang="ru" dirty="0">
                 <a:solidFill>
                   <a:srgbClr val="000000"/>
                 </a:solidFill>
@@ -8290,7 +7776,7 @@
               </a:rPr>
               <a:t>Текстовый квест —  это разновидность компьютерной игры, в которой взаимодействие с игроком осуществляется посредством текстовой информации</a:t>
             </a:r>
-            <a:endParaRPr>
+            <a:endParaRPr dirty="0">
               <a:solidFill>
                 <a:srgbClr val="000000"/>
               </a:solidFill>
@@ -8316,7 +7802,7 @@
               <a:buChar char="●"/>
             </a:pPr>
             <a:r>
-              <a:rPr lang="ru">
+              <a:rPr lang="ru" dirty="0">
                 <a:solidFill>
                   <a:srgbClr val="000000"/>
                 </a:solidFill>
@@ -8327,7 +7813,7 @@
               </a:rPr>
               <a:t>Бот — это не просто «автоответчик». Его правильнее считать автоматизированным помощником</a:t>
             </a:r>
-            <a:endParaRPr>
+            <a:endParaRPr dirty="0">
               <a:solidFill>
                 <a:srgbClr val="000000"/>
               </a:solidFill>
@@ -8353,7 +7839,7 @@
               <a:buChar char="●"/>
             </a:pPr>
             <a:r>
-              <a:rPr lang="ru">
+              <a:rPr lang="ru" dirty="0">
                 <a:solidFill>
                   <a:srgbClr val="000000"/>
                 </a:solidFill>
@@ -8365,7 +7851,7 @@
               <a:t>Логика бота контролируется при помощи HTTPS запросов к</a:t>
             </a:r>
             <a:r>
-              <a:rPr lang="ru">
+              <a:rPr lang="ru" dirty="0">
                 <a:solidFill>
                   <a:srgbClr val="000000"/>
                 </a:solidFill>
@@ -8380,7 +7866,7 @@
               </a:rPr>
               <a:t> API для ботов</a:t>
             </a:r>
-            <a:endParaRPr>
+            <a:endParaRPr dirty="0">
               <a:solidFill>
                 <a:srgbClr val="000000"/>
               </a:solidFill>
@@ -8406,7 +7892,7 @@
               <a:buChar char="●"/>
             </a:pPr>
             <a:r>
-              <a:rPr lang="ru">
+              <a:rPr lang="ru" dirty="0">
                 <a:solidFill>
                   <a:srgbClr val="000000"/>
                 </a:solidFill>
@@ -8417,7 +7903,7 @@
               </a:rPr>
               <a:t>Интерфейс с вводом текста с клавиатуры.</a:t>
             </a:r>
-            <a:endParaRPr>
+            <a:endParaRPr dirty="0">
               <a:solidFill>
                 <a:srgbClr val="000000"/>
               </a:solidFill>
@@ -8443,7 +7929,7 @@
               <a:buChar char="●"/>
             </a:pPr>
             <a:r>
-              <a:rPr lang="ru">
+              <a:rPr lang="ru" dirty="0">
                 <a:solidFill>
                   <a:srgbClr val="000000"/>
                 </a:solidFill>
@@ -8452,9 +7938,67 @@
                 <a:cs typeface="Arial"/>
                 <a:sym typeface="Arial"/>
               </a:rPr>
-              <a:t>Основная идея: игрок находится в бесконечном коридоре, выход из которого нужно отыскать.</a:t>
+              <a:t>Основная идея: игрок находится в бесконечном коридоре, выход из которого нужно отыскать</a:t>
             </a:r>
-            <a:endParaRPr>
+            <a:r>
+              <a:rPr lang="ru" dirty="0" smtClean="0">
+                <a:solidFill>
+                  <a:srgbClr val="000000"/>
+                </a:solidFill>
+                <a:latin typeface="Arial"/>
+                <a:ea typeface="Arial"/>
+                <a:cs typeface="Arial"/>
+                <a:sym typeface="Arial"/>
+              </a:rPr>
+              <a:t>.</a:t>
+            </a:r>
+          </a:p>
+          <a:p>
+            <a:pPr>
+              <a:buClr>
+                <a:srgbClr val="000000"/>
+              </a:buClr>
+            </a:pPr>
+            <a:r>
+              <a:rPr lang="ru-RU" dirty="0">
+                <a:solidFill>
+                  <a:schemeClr val="tx1"/>
+                </a:solidFill>
+              </a:rPr>
+              <a:t>В прошлом семестре был создан бот, в котором был </a:t>
+            </a:r>
+            <a:r>
+              <a:rPr lang="ru-RU" dirty="0" smtClean="0">
+                <a:solidFill>
+                  <a:schemeClr val="tx1"/>
+                </a:solidFill>
+              </a:rPr>
+              <a:t>реализован </a:t>
+            </a:r>
+            <a:r>
+              <a:rPr lang="ru-RU" dirty="0">
+                <a:solidFill>
+                  <a:schemeClr val="tx1"/>
+                </a:solidFill>
+              </a:rPr>
+              <a:t>фундамент игры. Так каждый игрок имеет свои характеристики, как и другие персонажи. В игру были добавлены предметы и сюжетная линия, в которой необходимо сражаться с монстрами. </a:t>
+            </a:r>
+          </a:p>
+          <a:p>
+            <a:pPr marL="114300" lvl="0" indent="0" algn="l" rtl="0">
+              <a:spcBef>
+                <a:spcPts val="0"/>
+              </a:spcBef>
+              <a:spcAft>
+                <a:spcPts val="0"/>
+              </a:spcAft>
+              <a:buClr>
+                <a:srgbClr val="000000"/>
+              </a:buClr>
+              <a:buSzPts val="1800"/>
+              <a:buNone/>
+            </a:pPr>
+            <a:endParaRPr dirty="0">
               <a:solidFill>
                 <a:srgbClr val="000000"/>
               </a:solidFill>
@@ -8474,7 +8018,7 @@
               </a:spcAft>
               <a:buNone/>
             </a:pPr>
-            <a:endParaRPr>
+            <a:endParaRPr dirty="0">
               <a:solidFill>
                 <a:srgbClr val="000000"/>
               </a:solidFill>
@@ -8628,7 +8172,7 @@
   <p:cSld>
     <p:spTree>
       <p:nvGrpSpPr>
-        <p:cNvPr id="1" name="Shape 81"/>
+        <p:cNvPr id="1" name=""/>
         <p:cNvGrpSpPr/>
         <p:nvPr/>
       </p:nvGrpSpPr>
@@ -8642,66 +8186,38 @@
       </p:grpSpPr>
       <p:sp>
         <p:nvSpPr>
-          <p:cNvPr id="82" name="Google Shape;82;p16"/>
-          <p:cNvSpPr txBox="1">
+          <p:cNvPr id="2" name="Заголовок 1"/>
+          <p:cNvSpPr>
             <a:spLocks noGrp="1"/>
           </p:cNvSpPr>
           <p:nvPr>
             <p:ph type="title"/>
           </p:nvPr>
         </p:nvSpPr>
-        <p:spPr>
-          <a:xfrm>
-            <a:off x="311700" y="593367"/>
-            <a:ext cx="8520600" cy="763500"/>
-          </a:xfrm>
-          <a:prstGeom prst="rect">
-            <a:avLst/>
-          </a:prstGeom>
-        </p:spPr>
+        <p:spPr/>
         <p:txBody>
-          <a:bodyPr spcFirstLastPara="1" wrap="square" lIns="91425" tIns="91425" rIns="91425" bIns="91425" anchor="t" anchorCtr="0">
-            <a:noAutofit/>
-          </a:bodyPr>
+          <a:bodyPr/>
           <a:lstStyle/>
           <a:p>
-            <a:pPr marL="0" lvl="0" indent="0" algn="l" rtl="0">
-              <a:spcBef>
-                <a:spcPts val="0"/>
-              </a:spcBef>
-              <a:spcAft>
-                <a:spcPts val="0"/>
-              </a:spcAft>
-              <a:buNone/>
-            </a:pPr>
             <a:r>
-              <a:rPr lang="ru">
-                <a:solidFill>
-                  <a:srgbClr val="000000"/>
-                </a:solidFill>
-                <a:latin typeface="Arial"/>
-                <a:ea typeface="Arial"/>
-                <a:cs typeface="Arial"/>
-                <a:sym typeface="Arial"/>
-              </a:rPr>
-              <a:t>Среда разработки</a:t>
+              <a:rPr lang="ru-RU" dirty="0"/>
+              <a:t>Улучшенное информирование в отладке</a:t>
             </a:r>
-            <a:endParaRPr b="0">
-              <a:solidFill>
-                <a:srgbClr val="000000"/>
-              </a:solidFill>
-              <a:latin typeface="Arial"/>
-              <a:ea typeface="Arial"/>
-              <a:cs typeface="Arial"/>
-              <a:sym typeface="Arial"/>
-            </a:endParaRPr>
+            <a:r>
+              <a:rPr lang="ru-RU" b="1" dirty="0"/>
+              <a:t/>
+            </a:r>
+            <a:br>
+              <a:rPr lang="ru-RU" b="1" dirty="0"/>
+            </a:br>
+            <a:endParaRPr lang="ru-RU" dirty="0"/>
           </a:p>
         </p:txBody>
       </p:sp>
       <p:sp>
         <p:nvSpPr>
-          <p:cNvPr id="83" name="Google Shape;83;p16"/>
-          <p:cNvSpPr txBox="1">
+          <p:cNvPr id="3" name="Текст 2"/>
+          <p:cNvSpPr>
             <a:spLocks noGrp="1"/>
           </p:cNvSpPr>
           <p:nvPr>
@@ -8711,222 +8227,34 @@
         <p:spPr>
           <a:xfrm>
             <a:off x="311700" y="1536633"/>
-            <a:ext cx="8520600" cy="4555200"/>
+            <a:ext cx="8520600" cy="1130367"/>
           </a:xfrm>
-          <a:prstGeom prst="rect">
-            <a:avLst/>
-          </a:prstGeom>
         </p:spPr>
         <p:txBody>
-          <a:bodyPr spcFirstLastPara="1" wrap="square" lIns="91425" tIns="91425" rIns="91425" bIns="91425" anchor="t" anchorCtr="0">
-            <a:noAutofit/>
-          </a:bodyPr>
+          <a:bodyPr/>
           <a:lstStyle/>
           <a:p>
-            <a:pPr marL="0" lvl="0" indent="0" algn="l" rtl="0">
-              <a:spcBef>
-                <a:spcPts val="0"/>
-              </a:spcBef>
-              <a:spcAft>
-                <a:spcPts val="0"/>
-              </a:spcAft>
-              <a:buNone/>
-            </a:pPr>
             <a:r>
-              <a:rPr lang="ru">
-                <a:solidFill>
-                  <a:srgbClr val="000000"/>
-                </a:solidFill>
-                <a:latin typeface="Arial"/>
-                <a:ea typeface="Arial"/>
-                <a:cs typeface="Arial"/>
-                <a:sym typeface="Arial"/>
-              </a:rPr>
-              <a:t>Python: </a:t>
+              <a:rPr lang="ru-RU" dirty="0" smtClean="0"/>
+              <a:t>Логирование действий игроков</a:t>
             </a:r>
-            <a:endParaRPr>
-              <a:solidFill>
-                <a:srgbClr val="000000"/>
-              </a:solidFill>
-              <a:latin typeface="Arial"/>
-              <a:ea typeface="Arial"/>
-              <a:cs typeface="Arial"/>
-              <a:sym typeface="Arial"/>
-            </a:endParaRPr>
-          </a:p>
-          <a:p>
-            <a:pPr marL="457200" lvl="0" indent="-342900" algn="l" rtl="0">
-              <a:spcBef>
-                <a:spcPts val="1600"/>
-              </a:spcBef>
-              <a:spcAft>
-                <a:spcPts val="0"/>
-              </a:spcAft>
-              <a:buClr>
-                <a:srgbClr val="000000"/>
-              </a:buClr>
-              <a:buSzPts val="1800"/>
-              <a:buFont typeface="Arial"/>
-              <a:buChar char="●"/>
-            </a:pPr>
-            <a:r>
-              <a:rPr lang="ru">
-                <a:solidFill>
-                  <a:srgbClr val="000000"/>
-                </a:solidFill>
-                <a:latin typeface="Arial"/>
-                <a:ea typeface="Arial"/>
-                <a:cs typeface="Arial"/>
-                <a:sym typeface="Arial"/>
-              </a:rPr>
-              <a:t>лаконичный и в то же время довольно простой и понятный синтаксис</a:t>
-            </a:r>
-            <a:endParaRPr>
-              <a:solidFill>
-                <a:srgbClr val="000000"/>
-              </a:solidFill>
-              <a:latin typeface="Arial"/>
-              <a:ea typeface="Arial"/>
-              <a:cs typeface="Arial"/>
-              <a:sym typeface="Arial"/>
-            </a:endParaRPr>
-          </a:p>
-          <a:p>
-            <a:pPr marL="457200" lvl="0" indent="-342900" algn="l" rtl="0">
-              <a:spcBef>
-                <a:spcPts val="0"/>
-              </a:spcBef>
-              <a:spcAft>
-                <a:spcPts val="0"/>
-              </a:spcAft>
-              <a:buClr>
-                <a:srgbClr val="000000"/>
-              </a:buClr>
-              <a:buSzPts val="1800"/>
-              <a:buFont typeface="Arial"/>
-              <a:buChar char="●"/>
-            </a:pPr>
-            <a:r>
-              <a:rPr lang="ru">
-                <a:solidFill>
-                  <a:srgbClr val="000000"/>
-                </a:solidFill>
-                <a:latin typeface="Arial"/>
-                <a:ea typeface="Arial"/>
-                <a:cs typeface="Arial"/>
-                <a:sym typeface="Arial"/>
-              </a:rPr>
-              <a:t>автоматическое управление памяти</a:t>
-            </a:r>
-            <a:endParaRPr>
-              <a:solidFill>
-                <a:srgbClr val="000000"/>
-              </a:solidFill>
-              <a:latin typeface="Arial"/>
-              <a:ea typeface="Arial"/>
-              <a:cs typeface="Arial"/>
-              <a:sym typeface="Arial"/>
-            </a:endParaRPr>
-          </a:p>
-          <a:p>
-            <a:pPr marL="457200" lvl="0" indent="-342900" algn="l" rtl="0">
-              <a:spcBef>
-                <a:spcPts val="0"/>
-              </a:spcBef>
-              <a:spcAft>
-                <a:spcPts val="0"/>
-              </a:spcAft>
-              <a:buClr>
-                <a:srgbClr val="000000"/>
-              </a:buClr>
-              <a:buSzPts val="1800"/>
-              <a:buFont typeface="Arial"/>
-              <a:buChar char="●"/>
-            </a:pPr>
-            <a:r>
-              <a:rPr lang="ru">
-                <a:solidFill>
-                  <a:srgbClr val="000000"/>
-                </a:solidFill>
-                <a:latin typeface="Arial"/>
-                <a:ea typeface="Arial"/>
-                <a:cs typeface="Arial"/>
-                <a:sym typeface="Arial"/>
-              </a:rPr>
-              <a:t>динамическая типизация</a:t>
-            </a:r>
-            <a:endParaRPr>
-              <a:solidFill>
-                <a:srgbClr val="000000"/>
-              </a:solidFill>
-              <a:latin typeface="Arial"/>
-              <a:ea typeface="Arial"/>
-              <a:cs typeface="Arial"/>
-              <a:sym typeface="Arial"/>
-            </a:endParaRPr>
-          </a:p>
-          <a:p>
-            <a:pPr marL="457200" lvl="0" indent="-342900" algn="l" rtl="0">
-              <a:spcBef>
-                <a:spcPts val="0"/>
-              </a:spcBef>
-              <a:spcAft>
-                <a:spcPts val="0"/>
-              </a:spcAft>
-              <a:buClr>
-                <a:srgbClr val="000000"/>
-              </a:buClr>
-              <a:buSzPts val="1800"/>
-              <a:buFont typeface="Arial"/>
-              <a:buChar char="●"/>
-            </a:pPr>
-            <a:r>
-              <a:rPr lang="ru">
-                <a:solidFill>
-                  <a:srgbClr val="000000"/>
-                </a:solidFill>
-                <a:latin typeface="Arial"/>
-                <a:ea typeface="Arial"/>
-                <a:cs typeface="Arial"/>
-                <a:sym typeface="Arial"/>
-              </a:rPr>
-              <a:t>Большое количество документации по API Telegram для данного языка</a:t>
-            </a:r>
-            <a:endParaRPr>
-              <a:solidFill>
-                <a:srgbClr val="000000"/>
-              </a:solidFill>
-              <a:latin typeface="Arial"/>
-              <a:ea typeface="Arial"/>
-              <a:cs typeface="Arial"/>
-              <a:sym typeface="Arial"/>
-            </a:endParaRPr>
+            <a:endParaRPr lang="ru-RU" dirty="0"/>
           </a:p>
         </p:txBody>
       </p:sp>
       <p:sp>
         <p:nvSpPr>
-          <p:cNvPr id="84" name="Google Shape;84;p16"/>
-          <p:cNvSpPr txBox="1">
+          <p:cNvPr id="4" name="Номер слайда 3"/>
+          <p:cNvSpPr>
             <a:spLocks noGrp="1"/>
           </p:cNvSpPr>
           <p:nvPr>
             <p:ph type="sldNum" idx="12"/>
           </p:nvPr>
         </p:nvSpPr>
-        <p:spPr>
-          <a:xfrm>
-            <a:off x="8472458" y="6217622"/>
-            <a:ext cx="548700" cy="524700"/>
-          </a:xfrm>
-          <a:prstGeom prst="rect">
-            <a:avLst/>
-          </a:prstGeom>
-        </p:spPr>
+        <p:spPr/>
         <p:txBody>
-          <a:bodyPr spcFirstLastPara="1" wrap="square" lIns="91425" tIns="91425" rIns="91425" bIns="91425" anchor="ctr" anchorCtr="0">
-            <a:noAutofit/>
-          </a:bodyPr>
+          <a:bodyPr/>
           <a:lstStyle/>
           <a:p>
             <a:pPr marL="0" lvl="0" indent="0" algn="r" rtl="0">
@@ -8936,55 +8264,39 @@
               <a:spcAft>
                 <a:spcPts val="0"/>
               </a:spcAft>
-              <a:buClr>
-                <a:srgbClr val="000000"/>
-              </a:buClr>
-              <a:buSzPts val="1100"/>
-              <a:buFont typeface="Arial"/>
               <a:buNone/>
             </a:pPr>
             <a:fld id="{00000000-1234-1234-1234-123412341234}" type="slidenum">
-              <a:rPr lang="ru">
-                <a:solidFill>
-                  <a:schemeClr val="dk2"/>
-                </a:solidFill>
-                <a:latin typeface="Arial"/>
-                <a:ea typeface="Arial"/>
-                <a:cs typeface="Arial"/>
-                <a:sym typeface="Arial"/>
-              </a:rPr>
+              <a:rPr lang="ru" smtClean="0"/>
               <a:t>4</a:t>
             </a:fld>
-            <a:endParaRPr>
-              <a:solidFill>
-                <a:schemeClr val="dk2"/>
-              </a:solidFill>
-              <a:latin typeface="Arial"/>
-              <a:ea typeface="Arial"/>
-              <a:cs typeface="Arial"/>
-              <a:sym typeface="Arial"/>
-            </a:endParaRPr>
+            <a:endParaRPr lang="ru"/>
           </a:p>
         </p:txBody>
       </p:sp>
       <p:pic>
         <p:nvPicPr>
-          <p:cNvPr id="85" name="Google Shape;85;p16"/>
-          <p:cNvPicPr preferRelativeResize="0"/>
+          <p:cNvPr id="5" name="Рисунок 4" descr="https://lh4.googleusercontent.com/GaVNsAPIzjkkuxVZ_b0cdejjdsEXPwAoF710nuIAPdF0AB0k2kWEyxtFGJybmgit7PbywJRki-SSlKQBNbDspIsxhigP9rW3R4W6PyiIRlYHLfetDhW_ko26Kqwa52FE_-kTen3W"/>
+          <p:cNvPicPr/>
           <p:nvPr/>
         </p:nvPicPr>
         <p:blipFill>
-          <a:blip r:embed="rId3">
-            <a:alphaModFix/>
+          <a:blip r:embed="rId2">
+            <a:extLst>
+              <a:ext uri="{28A0092B-C50C-407E-A947-70E740481C1C}">
+                <a14:useLocalDpi xmlns:a14="http://schemas.microsoft.com/office/drawing/2010/main" val="0"/>
+              </a:ext>
+            </a:extLst>
           </a:blip>
+          <a:srcRect/>
           <a:stretch>
             <a:fillRect/>
           </a:stretch>
         </p:blipFill>
-        <p:spPr>
+        <p:spPr bwMode="auto">
           <a:xfrm>
-            <a:off x="7805429" y="0"/>
-            <a:ext cx="1338575" cy="1317100"/>
+            <a:off x="1061402" y="3228974"/>
+            <a:ext cx="7301548" cy="2234963"/>
           </a:xfrm>
           <a:prstGeom prst="rect">
             <a:avLst/>
@@ -8996,6 +8308,11 @@
         </p:spPr>
       </p:pic>
     </p:spTree>
+    <p:extLst>
+      <p:ext uri="{BB962C8B-B14F-4D97-AF65-F5344CB8AC3E}">
+        <p14:creationId xmlns:p14="http://schemas.microsoft.com/office/powerpoint/2010/main" val="1714366555"/>
+      </p:ext>
+    </p:extLst>
   </p:cSld>
   <p:clrMapOvr>
     <a:masterClrMapping/>
@@ -9008,7 +8325,7 @@
   <p:cSld>
     <p:spTree>
       <p:nvGrpSpPr>
-        <p:cNvPr id="1" name="Shape 89"/>
+        <p:cNvPr id="1" name=""/>
         <p:cNvGrpSpPr/>
         <p:nvPr/>
       </p:nvGrpSpPr>
@@ -9022,385 +8339,113 @@
       </p:grpSpPr>
       <p:sp>
         <p:nvSpPr>
-          <p:cNvPr id="90" name="Google Shape;90;p17"/>
-          <p:cNvSpPr txBox="1">
+          <p:cNvPr id="2" name="Заголовок 1"/>
+          <p:cNvSpPr>
             <a:spLocks noGrp="1"/>
           </p:cNvSpPr>
           <p:nvPr>
             <p:ph type="title"/>
           </p:nvPr>
         </p:nvSpPr>
-        <p:spPr>
-          <a:xfrm>
-            <a:off x="311700" y="593367"/>
-            <a:ext cx="8520600" cy="763500"/>
-          </a:xfrm>
-          <a:prstGeom prst="rect">
-            <a:avLst/>
-          </a:prstGeom>
-        </p:spPr>
+        <p:spPr/>
         <p:txBody>
-          <a:bodyPr spcFirstLastPara="1" wrap="square" lIns="91425" tIns="91425" rIns="91425" bIns="91425" anchor="t" anchorCtr="0">
-            <a:noAutofit/>
-          </a:bodyPr>
+          <a:bodyPr/>
           <a:lstStyle/>
           <a:p>
-            <a:pPr marL="0" lvl="0" indent="0" algn="l" rtl="0">
-              <a:spcBef>
-                <a:spcPts val="0"/>
-              </a:spcBef>
-              <a:spcAft>
-                <a:spcPts val="0"/>
-              </a:spcAft>
-              <a:buNone/>
-            </a:pPr>
             <a:r>
-              <a:rPr lang="ru">
-                <a:solidFill>
-                  <a:srgbClr val="000000"/>
-                </a:solidFill>
-                <a:latin typeface="Arial"/>
-                <a:ea typeface="Arial"/>
-                <a:cs typeface="Arial"/>
-                <a:sym typeface="Arial"/>
-              </a:rPr>
-              <a:t>API Telegram</a:t>
+              <a:rPr lang="ru-RU" dirty="0" smtClean="0"/>
+              <a:t>Питомцы</a:t>
             </a:r>
-            <a:endParaRPr b="0">
-              <a:solidFill>
-                <a:srgbClr val="000000"/>
-              </a:solidFill>
-              <a:latin typeface="Arial"/>
-              <a:ea typeface="Arial"/>
-              <a:cs typeface="Arial"/>
-              <a:sym typeface="Arial"/>
-            </a:endParaRPr>
+            <a:endParaRPr lang="ru-RU" dirty="0"/>
           </a:p>
         </p:txBody>
       </p:sp>
       <p:sp>
         <p:nvSpPr>
-          <p:cNvPr id="91" name="Google Shape;91;p17"/>
-          <p:cNvSpPr txBox="1">
+          <p:cNvPr id="3" name="Текст 2"/>
+          <p:cNvSpPr>
             <a:spLocks noGrp="1"/>
           </p:cNvSpPr>
           <p:nvPr>
             <p:ph type="body" idx="1"/>
           </p:nvPr>
         </p:nvSpPr>
-        <p:spPr>
-          <a:xfrm>
-            <a:off x="387900" y="1986425"/>
-            <a:ext cx="5991000" cy="4077900"/>
-          </a:xfrm>
-          <a:prstGeom prst="rect">
-            <a:avLst/>
-          </a:prstGeom>
-        </p:spPr>
+        <p:spPr/>
         <p:txBody>
-          <a:bodyPr spcFirstLastPara="1" wrap="square" lIns="91425" tIns="91425" rIns="91425" bIns="91425" anchor="t" anchorCtr="0">
-            <a:noAutofit/>
-          </a:bodyPr>
+          <a:bodyPr/>
           <a:lstStyle/>
           <a:p>
-            <a:pPr marL="0" lvl="0" indent="0" algn="l" rtl="0">
-              <a:spcBef>
-                <a:spcPts val="0"/>
-              </a:spcBef>
-              <a:spcAft>
-                <a:spcPts val="0"/>
-              </a:spcAft>
-              <a:buClr>
-                <a:srgbClr val="000000"/>
-              </a:buClr>
-              <a:buSzPts val="1100"/>
-              <a:buFont typeface="Arial"/>
+            <a:r>
+              <a:rPr lang="ru-RU" dirty="0"/>
+              <a:t>Питомец – спутник игрока, каждый питомец повышает какие-либо характеристики игрока, тем самым способствуя </a:t>
+            </a:r>
+            <a:r>
+              <a:rPr lang="ru-RU" dirty="0" smtClean="0"/>
+              <a:t>прохождению</a:t>
+            </a:r>
+          </a:p>
+          <a:p>
+            <a:endParaRPr lang="ru-RU" dirty="0"/>
+          </a:p>
+        </p:txBody>
+      </p:sp>
+      <p:sp>
+        <p:nvSpPr>
+          <p:cNvPr id="4" name="Номер слайда 3"/>
+          <p:cNvSpPr>
+            <a:spLocks noGrp="1"/>
+          </p:cNvSpPr>
+          <p:nvPr>
+            <p:ph type="sldNum" idx="12"/>
+          </p:nvPr>
+        </p:nvSpPr>
+        <p:spPr/>
+        <p:txBody>
+          <a:bodyPr/>
+          <a:lstStyle/>
+          <a:p>
+            <a:pPr marL="0" lvl="0" indent="0" algn="r" rtl="0">
+              <a:spcBef>
+                <a:spcPts val="0"/>
+              </a:spcBef>
+              <a:spcAft>
+                <a:spcPts val="0"/>
+              </a:spcAft>
               <a:buNone/>
             </a:pPr>
-            <a:r>
-              <a:rPr lang="ru">
-                <a:solidFill>
-                  <a:srgbClr val="000000"/>
-                </a:solidFill>
-                <a:latin typeface="Arial"/>
-                <a:ea typeface="Arial"/>
-                <a:cs typeface="Arial"/>
-                <a:sym typeface="Arial"/>
-              </a:rPr>
-              <a:t>Telegram API присылает приложению-боту массив в формате JSON, который содержит следующую информацию:</a:t>
-            </a:r>
-            <a:endParaRPr>
-              <a:solidFill>
-                <a:srgbClr val="000000"/>
-              </a:solidFill>
-              <a:latin typeface="Arial"/>
-              <a:ea typeface="Arial"/>
-              <a:cs typeface="Arial"/>
-              <a:sym typeface="Arial"/>
-            </a:endParaRPr>
-          </a:p>
-          <a:p>
-            <a:pPr marL="1003300" lvl="0" indent="-228600" algn="l" rtl="0">
-              <a:spcBef>
-                <a:spcPts val="1600"/>
-              </a:spcBef>
-              <a:spcAft>
-                <a:spcPts val="0"/>
-              </a:spcAft>
-              <a:buClr>
-                <a:srgbClr val="000000"/>
-              </a:buClr>
-              <a:buSzPts val="1100"/>
-              <a:buFont typeface="Arial"/>
-              <a:buNone/>
-            </a:pPr>
-            <a:r>
-              <a:rPr lang="ru">
-                <a:solidFill>
-                  <a:srgbClr val="000000"/>
-                </a:solidFill>
-                <a:latin typeface="Arial"/>
-                <a:ea typeface="Arial"/>
-                <a:cs typeface="Arial"/>
-                <a:sym typeface="Arial"/>
-              </a:rPr>
-              <a:t>●      Id чата</a:t>
-            </a:r>
-            <a:endParaRPr>
-              <a:solidFill>
-                <a:srgbClr val="000000"/>
-              </a:solidFill>
-              <a:latin typeface="Arial"/>
-              <a:ea typeface="Arial"/>
-              <a:cs typeface="Arial"/>
-              <a:sym typeface="Arial"/>
-            </a:endParaRPr>
-          </a:p>
-          <a:p>
-            <a:pPr marL="1003300" lvl="0" indent="-228600" algn="l" rtl="0">
-              <a:spcBef>
-                <a:spcPts val="0"/>
-              </a:spcBef>
-              <a:spcAft>
-                <a:spcPts val="0"/>
-              </a:spcAft>
-              <a:buClr>
-                <a:srgbClr val="000000"/>
-              </a:buClr>
-              <a:buSzPts val="1100"/>
-              <a:buFont typeface="Arial"/>
-              <a:buNone/>
-            </a:pPr>
-            <a:r>
-              <a:rPr lang="ru">
-                <a:solidFill>
-                  <a:srgbClr val="000000"/>
-                </a:solidFill>
-                <a:latin typeface="Arial"/>
-                <a:ea typeface="Arial"/>
-                <a:cs typeface="Arial"/>
-                <a:sym typeface="Arial"/>
-              </a:rPr>
-              <a:t>●      Id пользователя</a:t>
-            </a:r>
-            <a:endParaRPr>
-              <a:solidFill>
-                <a:srgbClr val="000000"/>
-              </a:solidFill>
-              <a:latin typeface="Arial"/>
-              <a:ea typeface="Arial"/>
-              <a:cs typeface="Arial"/>
-              <a:sym typeface="Arial"/>
-            </a:endParaRPr>
-          </a:p>
-          <a:p>
-            <a:pPr marL="1003300" lvl="0" indent="-228600" algn="l" rtl="0">
-              <a:spcBef>
-                <a:spcPts val="0"/>
-              </a:spcBef>
-              <a:spcAft>
-                <a:spcPts val="0"/>
-              </a:spcAft>
-              <a:buClr>
-                <a:srgbClr val="000000"/>
-              </a:buClr>
-              <a:buSzPts val="1100"/>
-              <a:buFont typeface="Arial"/>
-              <a:buNone/>
-            </a:pPr>
-            <a:r>
-              <a:rPr lang="ru">
-                <a:solidFill>
-                  <a:srgbClr val="000000"/>
-                </a:solidFill>
-                <a:latin typeface="Arial"/>
-                <a:ea typeface="Arial"/>
-                <a:cs typeface="Arial"/>
-                <a:sym typeface="Arial"/>
-              </a:rPr>
-              <a:t>●      Текст сообщения</a:t>
-            </a:r>
-            <a:endParaRPr>
-              <a:solidFill>
-                <a:srgbClr val="000000"/>
-              </a:solidFill>
-              <a:latin typeface="Arial"/>
-              <a:ea typeface="Arial"/>
-              <a:cs typeface="Arial"/>
-              <a:sym typeface="Arial"/>
-            </a:endParaRPr>
-          </a:p>
-          <a:p>
-            <a:pPr marL="1003300" lvl="0" indent="-228600" algn="l" rtl="0">
-              <a:spcBef>
-                <a:spcPts val="0"/>
-              </a:spcBef>
-              <a:spcAft>
-                <a:spcPts val="0"/>
-              </a:spcAft>
-              <a:buClr>
-                <a:srgbClr val="000000"/>
-              </a:buClr>
-              <a:buSzPts val="1100"/>
-              <a:buFont typeface="Arial"/>
-              <a:buNone/>
-            </a:pPr>
-            <a:r>
-              <a:rPr lang="ru">
-                <a:solidFill>
-                  <a:srgbClr val="000000"/>
-                </a:solidFill>
-                <a:latin typeface="Arial"/>
-                <a:ea typeface="Arial"/>
-                <a:cs typeface="Arial"/>
-                <a:sym typeface="Arial"/>
-              </a:rPr>
-              <a:t>●      Прикрепленные фотографии или файлы</a:t>
-            </a:r>
-            <a:endParaRPr>
-              <a:solidFill>
-                <a:srgbClr val="000000"/>
-              </a:solidFill>
-              <a:latin typeface="Arial"/>
-              <a:ea typeface="Arial"/>
-              <a:cs typeface="Arial"/>
-              <a:sym typeface="Arial"/>
-            </a:endParaRPr>
-          </a:p>
-          <a:p>
-            <a:pPr marL="1003300" lvl="0" indent="-228600" algn="l" rtl="0">
-              <a:spcBef>
-                <a:spcPts val="0"/>
-              </a:spcBef>
-              <a:spcAft>
-                <a:spcPts val="0"/>
-              </a:spcAft>
-              <a:buClr>
-                <a:srgbClr val="000000"/>
-              </a:buClr>
-              <a:buSzPts val="1100"/>
-              <a:buFont typeface="Arial"/>
-              <a:buNone/>
-            </a:pPr>
-            <a:r>
-              <a:rPr lang="ru">
-                <a:solidFill>
-                  <a:srgbClr val="000000"/>
-                </a:solidFill>
-                <a:latin typeface="Arial"/>
-                <a:ea typeface="Arial"/>
-                <a:cs typeface="Arial"/>
-                <a:sym typeface="Arial"/>
-              </a:rPr>
-              <a:t>●      Местоположение пользователя</a:t>
-            </a:r>
-            <a:endParaRPr>
-              <a:solidFill>
-                <a:srgbClr val="000000"/>
-              </a:solidFill>
-              <a:latin typeface="Arial"/>
-              <a:ea typeface="Arial"/>
-              <a:cs typeface="Arial"/>
-              <a:sym typeface="Arial"/>
-            </a:endParaRPr>
-          </a:p>
-          <a:p>
-            <a:pPr marL="1003300" lvl="0" indent="-228600" algn="l" rtl="0">
-              <a:spcBef>
-                <a:spcPts val="0"/>
-              </a:spcBef>
-              <a:spcAft>
-                <a:spcPts val="0"/>
-              </a:spcAft>
-              <a:buClr>
-                <a:srgbClr val="000000"/>
-              </a:buClr>
-              <a:buSzPts val="1100"/>
-              <a:buFont typeface="Arial"/>
-              <a:buNone/>
-            </a:pPr>
-            <a:r>
-              <a:rPr lang="ru">
-                <a:solidFill>
-                  <a:srgbClr val="000000"/>
-                </a:solidFill>
-                <a:latin typeface="Arial"/>
-                <a:ea typeface="Arial"/>
-                <a:cs typeface="Arial"/>
-                <a:sym typeface="Arial"/>
-              </a:rPr>
-              <a:t>●      Карточка-контакт из его телефона</a:t>
-            </a:r>
-            <a:endParaRPr>
-              <a:solidFill>
-                <a:srgbClr val="000000"/>
-              </a:solidFill>
-              <a:latin typeface="Arial"/>
-              <a:ea typeface="Arial"/>
-              <a:cs typeface="Arial"/>
-              <a:sym typeface="Arial"/>
-            </a:endParaRPr>
-          </a:p>
-          <a:p>
-            <a:pPr marL="0" lvl="0" indent="0" algn="l" rtl="0">
-              <a:spcBef>
-                <a:spcPts val="0"/>
-              </a:spcBef>
-              <a:spcAft>
-                <a:spcPts val="1600"/>
-              </a:spcAft>
-              <a:buNone/>
-            </a:pPr>
-            <a:endParaRPr>
-              <a:solidFill>
-                <a:srgbClr val="000000"/>
-              </a:solidFill>
-              <a:latin typeface="Arial"/>
-              <a:ea typeface="Arial"/>
-              <a:cs typeface="Arial"/>
-              <a:sym typeface="Arial"/>
-            </a:endParaRPr>
+            <a:fld id="{00000000-1234-1234-1234-123412341234}" type="slidenum">
+              <a:rPr lang="ru" smtClean="0"/>
+              <a:t>5</a:t>
+            </a:fld>
+            <a:endParaRPr lang="ru"/>
           </a:p>
         </p:txBody>
       </p:sp>
       <p:pic>
         <p:nvPicPr>
-          <p:cNvPr id="92" name="Google Shape;92;p17"/>
-          <p:cNvPicPr preferRelativeResize="0"/>
+          <p:cNvPr id="5" name="Рисунок 4" descr="https://lh3.googleusercontent.com/1Zcs9n6DIGUD6ZEDDbPYF1lQsZyk-kaw4q3ckP7rqBj8j8M_6PcXDohFEX9IXGSfiuKHPw2jx51KpkRZ7MNRe8wjFpXvZLsXIsmR_vLW087ZDmG5K-7pz1_9zdU3ek5jYy3wLbei"/>
+          <p:cNvPicPr>
+            <a:picLocks noChangeAspect="1"/>
+          </p:cNvPicPr>
           <p:nvPr/>
         </p:nvPicPr>
         <p:blipFill>
-          <a:blip r:embed="rId3">
-            <a:alphaModFix/>
+          <a:blip r:embed="rId2">
+            <a:extLst>
+              <a:ext uri="{28A0092B-C50C-407E-A947-70E740481C1C}">
+                <a14:useLocalDpi xmlns:a14="http://schemas.microsoft.com/office/drawing/2010/main" val="0"/>
+              </a:ext>
+            </a:extLst>
           </a:blip>
+          <a:srcRect/>
           <a:stretch>
             <a:fillRect/>
           </a:stretch>
         </p:blipFill>
-        <p:spPr>
+        <p:spPr bwMode="auto">
           <a:xfrm>
-            <a:off x="6262666" y="1986425"/>
-            <a:ext cx="2552659" cy="4077900"/>
+            <a:off x="578802" y="2535349"/>
+            <a:ext cx="4421823" cy="1983734"/>
           </a:xfrm>
           <a:prstGeom prst="rect">
             <a:avLst/>
@@ -9411,70 +8456,69 @@
           </a:ln>
         </p:spPr>
       </p:pic>
-      <p:sp>
-        <p:nvSpPr>
-          <p:cNvPr id="93" name="Google Shape;93;p17"/>
-          <p:cNvSpPr txBox="1">
-            <a:spLocks noGrp="1"/>
-          </p:cNvSpPr>
-          <p:nvPr>
-            <p:ph type="sldNum" idx="12"/>
-          </p:nvPr>
-        </p:nvSpPr>
+      <p:pic>
+        <p:nvPicPr>
+          <p:cNvPr id="6" name="Рисунок 5"/>
+          <p:cNvPicPr/>
+          <p:nvPr/>
+        </p:nvPicPr>
+        <p:blipFill>
+          <a:blip r:embed="rId3"/>
+          <a:stretch>
+            <a:fillRect/>
+          </a:stretch>
+        </p:blipFill>
         <p:spPr>
           <a:xfrm>
-            <a:off x="8472458" y="6217622"/>
-            <a:ext cx="548700" cy="524700"/>
+            <a:off x="5180546" y="2535349"/>
+            <a:ext cx="3471833" cy="1789001"/>
           </a:xfrm>
           <a:prstGeom prst="rect">
             <a:avLst/>
           </a:prstGeom>
         </p:spPr>
-        <p:txBody>
-          <a:bodyPr spcFirstLastPara="1" wrap="square" lIns="91425" tIns="91425" rIns="91425" bIns="91425" anchor="ctr" anchorCtr="0">
-            <a:noAutofit/>
-          </a:bodyPr>
-          <a:lstStyle/>
-          <a:p>
-            <a:pPr marL="0" lvl="0" indent="0" algn="r" rtl="0">
-              <a:spcBef>
-                <a:spcPts val="0"/>
-              </a:spcBef>
-              <a:spcAft>
-                <a:spcPts val="0"/>
-              </a:spcAft>
-              <a:buClr>
-                <a:srgbClr val="000000"/>
-              </a:buClr>
-              <a:buSzPts val="1100"/>
-              <a:buFont typeface="Arial"/>
-              <a:buNone/>
-            </a:pPr>
-            <a:fld id="{00000000-1234-1234-1234-123412341234}" type="slidenum">
-              <a:rPr lang="ru">
-                <a:solidFill>
-                  <a:schemeClr val="dk2"/>
-                </a:solidFill>
-                <a:latin typeface="Arial"/>
-                <a:ea typeface="Arial"/>
-                <a:cs typeface="Arial"/>
-                <a:sym typeface="Arial"/>
-              </a:rPr>
-              <a:t>5</a:t>
-            </a:fld>
-            <a:endParaRPr>
-              <a:solidFill>
-                <a:schemeClr val="dk2"/>
-              </a:solidFill>
-              <a:latin typeface="Arial"/>
-              <a:ea typeface="Arial"/>
-              <a:cs typeface="Arial"/>
-              <a:sym typeface="Arial"/>
-            </a:endParaRPr>
-          </a:p>
-        </p:txBody>
-      </p:sp>
+      </p:pic>
+      <p:pic>
+        <p:nvPicPr>
+          <p:cNvPr id="7" name="Рисунок 6" descr="https://lh3.googleusercontent.com/HeJmqq1Ru2SoLYpphh8pv0oqhwCEf5eJZzRs3d-_VrTEofDTWbT_F-kpFwDxZd-JME7F7CTsGgzWw_VA_SVc5Vdchg6YZCwiTPECXVwhMZk50zkVf7K_TBIBw1vOS3u1uLymolIM"/>
+          <p:cNvPicPr>
+            <a:picLocks noChangeAspect="1"/>
+          </p:cNvPicPr>
+          <p:nvPr/>
+        </p:nvPicPr>
+        <p:blipFill>
+          <a:blip r:embed="rId4">
+            <a:extLst>
+              <a:ext uri="{28A0092B-C50C-407E-A947-70E740481C1C}">
+                <a14:useLocalDpi xmlns:a14="http://schemas.microsoft.com/office/drawing/2010/main" val="0"/>
+              </a:ext>
+            </a:extLst>
+          </a:blip>
+          <a:srcRect/>
+          <a:stretch>
+            <a:fillRect/>
+          </a:stretch>
+        </p:blipFill>
+        <p:spPr bwMode="auto">
+          <a:xfrm>
+            <a:off x="2076926" y="4646402"/>
+            <a:ext cx="4990147" cy="1833032"/>
+          </a:xfrm>
+          <a:prstGeom prst="rect">
+            <a:avLst/>
+          </a:prstGeom>
+          <a:noFill/>
+          <a:ln>
+            <a:noFill/>
+          </a:ln>
+        </p:spPr>
+      </p:pic>
     </p:spTree>
+    <p:extLst>
+      <p:ext uri="{BB962C8B-B14F-4D97-AF65-F5344CB8AC3E}">
+        <p14:creationId xmlns:p14="http://schemas.microsoft.com/office/powerpoint/2010/main" val="2916012369"/>
+      </p:ext>
+    </p:extLst>
   </p:cSld>
   <p:clrMapOvr>
     <a:masterClrMapping/>
@@ -9487,7 +8531,7 @@
   <p:cSld>
     <p:spTree>
       <p:nvGrpSpPr>
-        <p:cNvPr id="1" name="Shape 97"/>
+        <p:cNvPr id="1" name=""/>
         <p:cNvGrpSpPr/>
         <p:nvPr/>
       </p:nvGrpSpPr>
@@ -9501,217 +8545,97 @@
       </p:grpSpPr>
       <p:sp>
         <p:nvSpPr>
-          <p:cNvPr id="98" name="Google Shape;98;p18"/>
-          <p:cNvSpPr txBox="1">
+          <p:cNvPr id="2" name="Заголовок 1"/>
+          <p:cNvSpPr>
             <a:spLocks noGrp="1"/>
           </p:cNvSpPr>
           <p:nvPr>
             <p:ph type="title"/>
           </p:nvPr>
         </p:nvSpPr>
-        <p:spPr>
-          <a:xfrm>
-            <a:off x="311700" y="593367"/>
-            <a:ext cx="8520600" cy="763500"/>
-          </a:xfrm>
-          <a:prstGeom prst="rect">
-            <a:avLst/>
-          </a:prstGeom>
-        </p:spPr>
+        <p:spPr/>
         <p:txBody>
-          <a:bodyPr spcFirstLastPara="1" wrap="square" lIns="91425" tIns="91425" rIns="91425" bIns="91425" anchor="t" anchorCtr="0">
-            <a:noAutofit/>
-          </a:bodyPr>
+          <a:bodyPr/>
           <a:lstStyle/>
           <a:p>
-            <a:pPr marL="0" lvl="0" indent="0" algn="l" rtl="0">
-              <a:spcBef>
-                <a:spcPts val="0"/>
-              </a:spcBef>
-              <a:spcAft>
-                <a:spcPts val="0"/>
-              </a:spcAft>
-              <a:buNone/>
-            </a:pPr>
-            <a:r>
-              <a:rPr lang="ru">
-                <a:solidFill>
-                  <a:srgbClr val="000000"/>
-                </a:solidFill>
-                <a:latin typeface="Arial"/>
-                <a:ea typeface="Arial"/>
-                <a:cs typeface="Arial"/>
-                <a:sym typeface="Arial"/>
-              </a:rPr>
-              <a:t>Искусственный интеллект</a:t>
-            </a:r>
-            <a:endParaRPr b="0">
-              <a:solidFill>
-                <a:srgbClr val="000000"/>
-              </a:solidFill>
-              <a:latin typeface="Arial"/>
-              <a:ea typeface="Arial"/>
-              <a:cs typeface="Arial"/>
-              <a:sym typeface="Arial"/>
-            </a:endParaRPr>
+            <a:endParaRPr lang="ru-RU" dirty="0"/>
           </a:p>
         </p:txBody>
       </p:sp>
       <p:sp>
         <p:nvSpPr>
-          <p:cNvPr id="99" name="Google Shape;99;p18"/>
-          <p:cNvSpPr txBox="1">
+          <p:cNvPr id="3" name="Текст 2"/>
+          <p:cNvSpPr>
             <a:spLocks noGrp="1"/>
           </p:cNvSpPr>
           <p:nvPr>
             <p:ph type="body" idx="1"/>
           </p:nvPr>
         </p:nvSpPr>
-        <p:spPr>
-          <a:xfrm>
-            <a:off x="387900" y="1986425"/>
-            <a:ext cx="4960500" cy="4314900"/>
-          </a:xfrm>
-          <a:prstGeom prst="rect">
-            <a:avLst/>
-          </a:prstGeom>
-        </p:spPr>
+        <p:spPr/>
         <p:txBody>
-          <a:bodyPr spcFirstLastPara="1" wrap="square" lIns="91425" tIns="91425" rIns="91425" bIns="91425" anchor="t" anchorCtr="0">
-            <a:noAutofit/>
-          </a:bodyPr>
+          <a:bodyPr/>
           <a:lstStyle/>
           <a:p>
-            <a:pPr marL="457200" lvl="0" indent="-342900" algn="l" rtl="0">
-              <a:spcBef>
-                <a:spcPts val="0"/>
-              </a:spcBef>
-              <a:spcAft>
-                <a:spcPts val="0"/>
-              </a:spcAft>
-              <a:buClr>
-                <a:srgbClr val="000000"/>
-              </a:buClr>
-              <a:buSzPts val="1800"/>
-              <a:buFont typeface="Arial"/>
-              <a:buChar char="●"/>
+            <a:endParaRPr lang="ru-RU" dirty="0"/>
+          </a:p>
+        </p:txBody>
+      </p:sp>
+      <p:sp>
+        <p:nvSpPr>
+          <p:cNvPr id="4" name="Номер слайда 3"/>
+          <p:cNvSpPr>
+            <a:spLocks noGrp="1"/>
+          </p:cNvSpPr>
+          <p:nvPr>
+            <p:ph type="sldNum" idx="12"/>
+          </p:nvPr>
+        </p:nvSpPr>
+        <p:spPr/>
+        <p:txBody>
+          <a:bodyPr/>
+          <a:lstStyle/>
+          <a:p>
+            <a:pPr marL="0" lvl="0" indent="0" algn="r" rtl="0">
+              <a:spcBef>
+                <a:spcPts val="0"/>
+              </a:spcBef>
+              <a:spcAft>
+                <a:spcPts val="0"/>
+              </a:spcAft>
+              <a:buNone/>
             </a:pPr>
-            <a:r>
-              <a:rPr lang="ru">
-                <a:solidFill>
-                  <a:srgbClr val="000000"/>
-                </a:solidFill>
-                <a:latin typeface="Arial"/>
-                <a:ea typeface="Arial"/>
-                <a:cs typeface="Arial"/>
-                <a:sym typeface="Arial"/>
-              </a:rPr>
-              <a:t>Оценивает обстановку в которой находится и выполняет определенные действия</a:t>
-            </a:r>
-            <a:endParaRPr>
-              <a:solidFill>
-                <a:srgbClr val="000000"/>
-              </a:solidFill>
-              <a:latin typeface="Arial"/>
-              <a:ea typeface="Arial"/>
-              <a:cs typeface="Arial"/>
-              <a:sym typeface="Arial"/>
-            </a:endParaRPr>
-          </a:p>
-          <a:p>
-            <a:pPr marL="457200" lvl="0" indent="-342900" algn="l" rtl="0">
-              <a:spcBef>
-                <a:spcPts val="0"/>
-              </a:spcBef>
-              <a:spcAft>
-                <a:spcPts val="0"/>
-              </a:spcAft>
-              <a:buClr>
-                <a:srgbClr val="000000"/>
-              </a:buClr>
-              <a:buSzPts val="1800"/>
-              <a:buFont typeface="Arial"/>
-              <a:buChar char="●"/>
-            </a:pPr>
-            <a:r>
-              <a:rPr lang="ru">
-                <a:solidFill>
-                  <a:srgbClr val="000000"/>
-                </a:solidFill>
-                <a:latin typeface="Arial"/>
-                <a:ea typeface="Arial"/>
-                <a:cs typeface="Arial"/>
-                <a:sym typeface="Arial"/>
-              </a:rPr>
-              <a:t>Цикл Sense/Think/Act (Чувствовать/Мыслить/Действовать)</a:t>
-            </a:r>
-            <a:endParaRPr>
-              <a:solidFill>
-                <a:srgbClr val="000000"/>
-              </a:solidFill>
-              <a:latin typeface="Arial"/>
-              <a:ea typeface="Arial"/>
-              <a:cs typeface="Arial"/>
-              <a:sym typeface="Arial"/>
-            </a:endParaRPr>
-          </a:p>
-          <a:p>
-            <a:pPr marL="457200" lvl="0" indent="-342900" algn="l" rtl="0">
-              <a:spcBef>
-                <a:spcPts val="0"/>
-              </a:spcBef>
-              <a:spcAft>
-                <a:spcPts val="0"/>
-              </a:spcAft>
-              <a:buClr>
-                <a:srgbClr val="000000"/>
-              </a:buClr>
-              <a:buSzPts val="1800"/>
-              <a:buFont typeface="Arial"/>
-              <a:buChar char="●"/>
-            </a:pPr>
-            <a:r>
-              <a:rPr lang="ru">
-                <a:solidFill>
-                  <a:srgbClr val="000000"/>
-                </a:solidFill>
-                <a:latin typeface="Arial"/>
-                <a:ea typeface="Arial"/>
-                <a:cs typeface="Arial"/>
-                <a:sym typeface="Arial"/>
-              </a:rPr>
-              <a:t>Восприятие среды в текстовой игре – это ответы игрока и его характеристики. В зависимости от передаваемых алгоритму параметров он должен сделать цепочку решений и выдать ответ</a:t>
-            </a:r>
-            <a:endParaRPr>
-              <a:solidFill>
-                <a:srgbClr val="000000"/>
-              </a:solidFill>
-              <a:latin typeface="Arial"/>
-              <a:ea typeface="Arial"/>
-              <a:cs typeface="Arial"/>
-              <a:sym typeface="Arial"/>
-            </a:endParaRPr>
+            <a:fld id="{00000000-1234-1234-1234-123412341234}" type="slidenum">
+              <a:rPr lang="ru" smtClean="0"/>
+              <a:t>6</a:t>
+            </a:fld>
+            <a:endParaRPr lang="ru"/>
           </a:p>
         </p:txBody>
       </p:sp>
       <p:pic>
         <p:nvPicPr>
-          <p:cNvPr id="100" name="Google Shape;100;p18"/>
-          <p:cNvPicPr preferRelativeResize="0"/>
+          <p:cNvPr id="6" name="Рисунок 5" descr="https://lh4.googleusercontent.com/HqivzE_TSJ78m6pjDlrVeWChHOdPskkr8B2kBXgkDQUvIgrC0fBCa0arNof8W8RGwXEcGIEzp6ATF4bfaD1CqZH1msV_7gFH0wo9dFmA5CdSSSuxqY518IEkJ6HolP-ABUrkANU-"/>
+          <p:cNvPicPr/>
           <p:nvPr/>
         </p:nvPicPr>
         <p:blipFill>
-          <a:blip r:embed="rId3">
-            <a:alphaModFix/>
+          <a:blip r:embed="rId2">
+            <a:extLst>
+              <a:ext uri="{28A0092B-C50C-407E-A947-70E740481C1C}">
+                <a14:useLocalDpi xmlns:a14="http://schemas.microsoft.com/office/drawing/2010/main" val="0"/>
+              </a:ext>
+            </a:extLst>
           </a:blip>
+          <a:srcRect/>
           <a:stretch>
             <a:fillRect/>
           </a:stretch>
         </p:blipFill>
-        <p:spPr>
+        <p:spPr bwMode="auto">
           <a:xfrm>
-            <a:off x="5941035" y="1525400"/>
-            <a:ext cx="2815065" cy="4863899"/>
+            <a:off x="311700" y="1603375"/>
+            <a:ext cx="3632200" cy="2870200"/>
           </a:xfrm>
           <a:prstGeom prst="rect">
             <a:avLst/>
@@ -9722,70 +8646,45 @@
           </a:ln>
         </p:spPr>
       </p:pic>
-      <p:sp>
-        <p:nvSpPr>
-          <p:cNvPr id="101" name="Google Shape;101;p18"/>
-          <p:cNvSpPr txBox="1">
-            <a:spLocks noGrp="1"/>
-          </p:cNvSpPr>
-          <p:nvPr>
-            <p:ph type="sldNum" idx="12"/>
-          </p:nvPr>
-        </p:nvSpPr>
-        <p:spPr>
+      <p:pic>
+        <p:nvPicPr>
+          <p:cNvPr id="7" name="Рисунок 6" descr="https://lh5.googleusercontent.com/LHndPsfwZl1eAwN1v955XEtbk8KoZjogDp40RvVqLHBOtbjXjcAq30djWHXtXZh7FXgPQbufvOAXs8Fj8lSrigxwTGpyz6LYvTdsng9fG9uEnz81pUIhh2rlkV0OPEEQ77-TcmWN"/>
+          <p:cNvPicPr/>
+          <p:nvPr/>
+        </p:nvPicPr>
+        <p:blipFill>
+          <a:blip r:embed="rId3">
+            <a:extLst>
+              <a:ext uri="{28A0092B-C50C-407E-A947-70E740481C1C}">
+                <a14:useLocalDpi xmlns:a14="http://schemas.microsoft.com/office/drawing/2010/main" val="0"/>
+              </a:ext>
+            </a:extLst>
+          </a:blip>
+          <a:srcRect/>
+          <a:stretch>
+            <a:fillRect/>
+          </a:stretch>
+        </p:blipFill>
+        <p:spPr bwMode="auto">
           <a:xfrm>
-            <a:off x="8472458" y="6217622"/>
-            <a:ext cx="548700" cy="524700"/>
+            <a:off x="4180840" y="1678410"/>
+            <a:ext cx="4414520" cy="4271645"/>
           </a:xfrm>
           <a:prstGeom prst="rect">
             <a:avLst/>
           </a:prstGeom>
+          <a:noFill/>
+          <a:ln>
+            <a:noFill/>
+          </a:ln>
         </p:spPr>
-        <p:txBody>
-          <a:bodyPr spcFirstLastPara="1" wrap="square" lIns="91425" tIns="91425" rIns="91425" bIns="91425" anchor="ctr" anchorCtr="0">
-            <a:noAutofit/>
-          </a:bodyPr>
-          <a:lstStyle/>
-          <a:p>
-            <a:pPr marL="0" lvl="0" indent="0" algn="r" rtl="0">
-              <a:spcBef>
-                <a:spcPts val="0"/>
-              </a:spcBef>
-              <a:spcAft>
-                <a:spcPts val="0"/>
-              </a:spcAft>
-              <a:buClr>
-                <a:srgbClr val="000000"/>
-              </a:buClr>
-              <a:buSzPts val="1100"/>
-              <a:buFont typeface="Arial"/>
-              <a:buNone/>
-            </a:pPr>
-            <a:fld id="{00000000-1234-1234-1234-123412341234}" type="slidenum">
-              <a:rPr lang="ru">
-                <a:solidFill>
-                  <a:schemeClr val="dk2"/>
-                </a:solidFill>
-                <a:latin typeface="Arial"/>
-                <a:ea typeface="Arial"/>
-                <a:cs typeface="Arial"/>
-                <a:sym typeface="Arial"/>
-              </a:rPr>
-              <a:t>6</a:t>
-            </a:fld>
-            <a:endParaRPr>
-              <a:solidFill>
-                <a:schemeClr val="dk2"/>
-              </a:solidFill>
-              <a:latin typeface="Arial"/>
-              <a:ea typeface="Arial"/>
-              <a:cs typeface="Arial"/>
-              <a:sym typeface="Arial"/>
-            </a:endParaRPr>
-          </a:p>
-        </p:txBody>
-      </p:sp>
+      </p:pic>
     </p:spTree>
+    <p:extLst>
+      <p:ext uri="{BB962C8B-B14F-4D97-AF65-F5344CB8AC3E}">
+        <p14:creationId xmlns:p14="http://schemas.microsoft.com/office/powerpoint/2010/main" val="1275568010"/>
+      </p:ext>
+    </p:extLst>
   </p:cSld>
   <p:clrMapOvr>
     <a:masterClrMapping/>
@@ -9796,131 +8695,9 @@
 <file path=ppt/slides/slide7.xml><?xml version="1.0" encoding="utf-8"?>
 <p:sld xmlns:a="http://schemas.openxmlformats.org/drawingml/2006/main" xmlns:r="http://schemas.openxmlformats.org/officeDocument/2006/relationships" xmlns:p="http://schemas.openxmlformats.org/presentationml/2006/main">
   <p:cSld>
-    <p:bg>
-      <p:bgPr>
-        <a:noFill/>
-        <a:effectLst/>
-      </p:bgPr>
-    </p:bg>
     <p:spTree>
       <p:nvGrpSpPr>
-        <p:cNvPr id="1" name="Shape 105"/>
-        <p:cNvGrpSpPr/>
-        <p:nvPr/>
-      </p:nvGrpSpPr>
-      <p:grpSpPr>
-        <a:xfrm>
-          <a:off x="0" y="0"/>
-          <a:ext cx="0" cy="0"/>
-          <a:chOff x="0" y="0"/>
-          <a:chExt cx="0" cy="0"/>
-        </a:xfrm>
-      </p:grpSpPr>
-      <p:pic>
-        <p:nvPicPr>
-          <p:cNvPr id="106" name="Google Shape;106;p19"/>
-          <p:cNvPicPr preferRelativeResize="0"/>
-          <p:nvPr/>
-        </p:nvPicPr>
-        <p:blipFill>
-          <a:blip r:embed="rId3">
-            <a:alphaModFix/>
-          </a:blip>
-          <a:stretch>
-            <a:fillRect/>
-          </a:stretch>
-        </p:blipFill>
-        <p:spPr>
-          <a:xfrm>
-            <a:off x="407125" y="0"/>
-            <a:ext cx="8114350" cy="6857999"/>
-          </a:xfrm>
-          <a:prstGeom prst="rect">
-            <a:avLst/>
-          </a:prstGeom>
-          <a:noFill/>
-          <a:ln>
-            <a:noFill/>
-          </a:ln>
-        </p:spPr>
-      </p:pic>
-      <p:sp>
-        <p:nvSpPr>
-          <p:cNvPr id="107" name="Google Shape;107;p19"/>
-          <p:cNvSpPr txBox="1">
-            <a:spLocks noGrp="1"/>
-          </p:cNvSpPr>
-          <p:nvPr>
-            <p:ph type="sldNum" idx="12"/>
-          </p:nvPr>
-        </p:nvSpPr>
-        <p:spPr>
-          <a:xfrm>
-            <a:off x="8472458" y="6217622"/>
-            <a:ext cx="548700" cy="524700"/>
-          </a:xfrm>
-          <a:prstGeom prst="rect">
-            <a:avLst/>
-          </a:prstGeom>
-        </p:spPr>
-        <p:txBody>
-          <a:bodyPr spcFirstLastPara="1" wrap="square" lIns="91425" tIns="91425" rIns="91425" bIns="91425" anchor="ctr" anchorCtr="0">
-            <a:noAutofit/>
-          </a:bodyPr>
-          <a:lstStyle/>
-          <a:p>
-            <a:pPr marL="0" lvl="0" indent="0" algn="r" rtl="0">
-              <a:spcBef>
-                <a:spcPts val="0"/>
-              </a:spcBef>
-              <a:spcAft>
-                <a:spcPts val="0"/>
-              </a:spcAft>
-              <a:buClr>
-                <a:srgbClr val="000000"/>
-              </a:buClr>
-              <a:buSzPts val="1100"/>
-              <a:buFont typeface="Arial"/>
-              <a:buNone/>
-            </a:pPr>
-            <a:fld id="{00000000-1234-1234-1234-123412341234}" type="slidenum">
-              <a:rPr lang="ru">
-                <a:solidFill>
-                  <a:schemeClr val="dk2"/>
-                </a:solidFill>
-                <a:latin typeface="Arial"/>
-                <a:ea typeface="Arial"/>
-                <a:cs typeface="Arial"/>
-                <a:sym typeface="Arial"/>
-              </a:rPr>
-              <a:t>7</a:t>
-            </a:fld>
-            <a:endParaRPr>
-              <a:solidFill>
-                <a:schemeClr val="dk2"/>
-              </a:solidFill>
-              <a:latin typeface="Arial"/>
-              <a:ea typeface="Arial"/>
-              <a:cs typeface="Arial"/>
-              <a:sym typeface="Arial"/>
-            </a:endParaRPr>
-          </a:p>
-        </p:txBody>
-      </p:sp>
-    </p:spTree>
-  </p:cSld>
-  <p:clrMapOvr>
-    <a:masterClrMapping/>
-  </p:clrMapOvr>
-</p:sld>
-</file>
-
-<file path=ppt/slides/slide8.xml><?xml version="1.0" encoding="utf-8"?>
-<p:sld xmlns:a="http://schemas.openxmlformats.org/drawingml/2006/main" xmlns:r="http://schemas.openxmlformats.org/officeDocument/2006/relationships" xmlns:p="http://schemas.openxmlformats.org/presentationml/2006/main">
-  <p:cSld>
-    <p:spTree>
-      <p:nvGrpSpPr>
-        <p:cNvPr id="1" name="Shape 111"/>
+        <p:cNvPr id="1" name=""/>
         <p:cNvGrpSpPr/>
         <p:nvPr/>
       </p:nvGrpSpPr>
@@ -9934,283 +8711,124 @@
       </p:grpSpPr>
       <p:sp>
         <p:nvSpPr>
-          <p:cNvPr id="112" name="Google Shape;112;p20"/>
-          <p:cNvSpPr txBox="1">
+          <p:cNvPr id="2" name="Заголовок 1"/>
+          <p:cNvSpPr>
             <a:spLocks noGrp="1"/>
           </p:cNvSpPr>
           <p:nvPr>
             <p:ph type="title"/>
           </p:nvPr>
         </p:nvSpPr>
-        <p:spPr>
-          <a:xfrm>
-            <a:off x="311700" y="593367"/>
-            <a:ext cx="8520600" cy="763500"/>
-          </a:xfrm>
-          <a:prstGeom prst="rect">
-            <a:avLst/>
-          </a:prstGeom>
-        </p:spPr>
+        <p:spPr/>
         <p:txBody>
-          <a:bodyPr spcFirstLastPara="1" wrap="square" lIns="91425" tIns="91425" rIns="91425" bIns="91425" anchor="t" anchorCtr="0">
-            <a:noAutofit/>
-          </a:bodyPr>
+          <a:bodyPr/>
           <a:lstStyle/>
           <a:p>
-            <a:pPr marL="0" lvl="0" indent="0" algn="l" rtl="0">
-              <a:spcBef>
-                <a:spcPts val="0"/>
-              </a:spcBef>
-              <a:spcAft>
-                <a:spcPts val="0"/>
-              </a:spcAft>
-              <a:buNone/>
-            </a:pPr>
             <a:r>
-              <a:rPr lang="ru">
-                <a:solidFill>
-                  <a:srgbClr val="000000"/>
-                </a:solidFill>
-              </a:rPr>
-              <a:t>Предметы в игре</a:t>
+              <a:rPr lang="ru-RU" dirty="0"/>
+              <a:t>Улучшенная система торговли</a:t>
             </a:r>
-            <a:endParaRPr>
-              <a:solidFill>
-                <a:srgbClr val="000000"/>
-              </a:solidFill>
-            </a:endParaRPr>
           </a:p>
         </p:txBody>
       </p:sp>
       <p:sp>
         <p:nvSpPr>
-          <p:cNvPr id="113" name="Google Shape;113;p20"/>
-          <p:cNvSpPr txBox="1">
+          <p:cNvPr id="3" name="Текст 2"/>
+          <p:cNvSpPr>
             <a:spLocks noGrp="1"/>
           </p:cNvSpPr>
           <p:nvPr>
             <p:ph type="body" idx="1"/>
           </p:nvPr>
         </p:nvSpPr>
-        <p:spPr>
-          <a:xfrm>
-            <a:off x="387900" y="1986425"/>
-            <a:ext cx="3646800" cy="4105200"/>
-          </a:xfrm>
-          <a:prstGeom prst="rect">
-            <a:avLst/>
-          </a:prstGeom>
-        </p:spPr>
+        <p:spPr/>
         <p:txBody>
-          <a:bodyPr spcFirstLastPara="1" wrap="square" lIns="91425" tIns="91425" rIns="91425" bIns="91425" anchor="t" anchorCtr="0">
-            <a:noAutofit/>
-          </a:bodyPr>
+          <a:bodyPr/>
           <a:lstStyle/>
           <a:p>
-            <a:pPr marL="457200" lvl="0" indent="-342900" algn="l" rtl="0">
-              <a:spcBef>
-                <a:spcPts val="0"/>
-              </a:spcBef>
-              <a:spcAft>
-                <a:spcPts val="0"/>
-              </a:spcAft>
-              <a:buClr>
-                <a:srgbClr val="000000"/>
-              </a:buClr>
-              <a:buSzPts val="1800"/>
-              <a:buChar char="●"/>
+            <a:endParaRPr lang="ru-RU" dirty="0" smtClean="0"/>
+          </a:p>
+          <a:p>
+            <a:r>
+              <a:rPr lang="ru-RU" dirty="0" smtClean="0"/>
+              <a:t>Торговец – введены параметры, которые влияют на цену предмета:</a:t>
+            </a:r>
+          </a:p>
+          <a:p>
+            <a:pPr lvl="1"/>
+            <a:r>
+              <a:rPr lang="ru-RU" dirty="0"/>
+              <a:t>Разность между уровнем персонажа и уровнем </a:t>
+            </a:r>
+            <a:r>
+              <a:rPr lang="ru-RU" dirty="0" smtClean="0"/>
+              <a:t>вещи</a:t>
+            </a:r>
+          </a:p>
+          <a:p>
+            <a:pPr lvl="1"/>
+            <a:r>
+              <a:rPr lang="ru-RU" dirty="0"/>
+              <a:t>Уровень </a:t>
+            </a:r>
+            <a:r>
+              <a:rPr lang="ru-RU" dirty="0" smtClean="0"/>
+              <a:t>вещи</a:t>
+            </a:r>
+          </a:p>
+          <a:p>
+            <a:pPr marL="596900" lvl="1" indent="0">
+              <a:buNone/>
             </a:pPr>
+            <a:endParaRPr lang="ru-RU" dirty="0"/>
+          </a:p>
+          <a:p>
             <a:r>
-              <a:rPr lang="ru">
-                <a:solidFill>
-                  <a:srgbClr val="000000"/>
-                </a:solidFill>
-              </a:rPr>
-              <a:t>Положительные, нейтральные и отрицательные эффекты</a:t>
+              <a:rPr lang="ru-RU" dirty="0" smtClean="0"/>
+              <a:t>Аукцион лепрекона</a:t>
             </a:r>
-            <a:endParaRPr>
-              <a:solidFill>
-                <a:srgbClr val="000000"/>
-              </a:solidFill>
-            </a:endParaRPr>
-          </a:p>
-          <a:p>
-            <a:pPr marL="457200" lvl="0" indent="-342900" algn="l" rtl="0">
-              <a:spcBef>
-                <a:spcPts val="0"/>
-              </a:spcBef>
-              <a:spcAft>
-                <a:spcPts val="0"/>
-              </a:spcAft>
-              <a:buClr>
-                <a:srgbClr val="000000"/>
-              </a:buClr>
-              <a:buSzPts val="1800"/>
-              <a:buChar char="●"/>
-            </a:pPr>
+          </a:p>
+          <a:p>
+            <a:pPr lvl="1"/>
             <a:r>
-              <a:rPr lang="ru">
-                <a:solidFill>
-                  <a:srgbClr val="000000"/>
-                </a:solidFill>
-              </a:rPr>
-              <a:t>Влияют на прохождение игры</a:t>
+              <a:rPr lang="ru-RU" dirty="0"/>
+              <a:t>Игроки могут выставлять на аукцион вещи и давать им свою </a:t>
             </a:r>
-            <a:endParaRPr>
-              <a:solidFill>
-                <a:srgbClr val="000000"/>
-              </a:solidFill>
-            </a:endParaRPr>
-          </a:p>
-          <a:p>
-            <a:pPr marL="457200" lvl="0" indent="-342900" algn="l" rtl="0">
-              <a:spcBef>
-                <a:spcPts val="0"/>
-              </a:spcBef>
-              <a:spcAft>
-                <a:spcPts val="0"/>
-              </a:spcAft>
-              <a:buClr>
-                <a:srgbClr val="000000"/>
-              </a:buClr>
-              <a:buSzPts val="1800"/>
-              <a:buChar char="●"/>
-            </a:pPr>
             <a:r>
-              <a:rPr lang="ru">
-                <a:solidFill>
-                  <a:srgbClr val="000000"/>
-                </a:solidFill>
-              </a:rPr>
-              <a:t>Могут иметь неожиданные эффекты</a:t>
+              <a:rPr lang="ru-RU" dirty="0" smtClean="0"/>
+              <a:t>цену</a:t>
             </a:r>
-            <a:endParaRPr>
-              <a:solidFill>
-                <a:srgbClr val="000000"/>
-              </a:solidFill>
-            </a:endParaRPr>
-          </a:p>
-          <a:p>
-            <a:pPr marL="457200" lvl="0" indent="-342900" algn="l" rtl="0">
-              <a:spcBef>
-                <a:spcPts val="0"/>
-              </a:spcBef>
-              <a:spcAft>
-                <a:spcPts val="0"/>
-              </a:spcAft>
-              <a:buClr>
-                <a:srgbClr val="000000"/>
-              </a:buClr>
-              <a:buSzPts val="1800"/>
-              <a:buChar char="●"/>
-            </a:pPr>
+          </a:p>
+          <a:p>
+            <a:pPr lvl="1"/>
             <a:r>
-              <a:rPr lang="ru">
-                <a:solidFill>
-                  <a:srgbClr val="000000"/>
-                </a:solidFill>
-              </a:rPr>
-              <a:t>Способы получения:</a:t>
+              <a:rPr lang="ru-RU" dirty="0" smtClean="0"/>
+              <a:t>Комиссия 10%</a:t>
             </a:r>
-            <a:endParaRPr>
-              <a:solidFill>
-                <a:srgbClr val="000000"/>
-              </a:solidFill>
-            </a:endParaRPr>
-          </a:p>
-          <a:p>
-            <a:pPr marL="457200" lvl="0" indent="0" algn="l" rtl="0">
-              <a:spcBef>
-                <a:spcPts val="1600"/>
-              </a:spcBef>
-              <a:spcAft>
-                <a:spcPts val="0"/>
-              </a:spcAft>
-              <a:buNone/>
-            </a:pPr>
+          </a:p>
+          <a:p>
+            <a:pPr lvl="1"/>
             <a:r>
-              <a:rPr lang="ru">
-                <a:solidFill>
-                  <a:srgbClr val="000000"/>
-                </a:solidFill>
-              </a:rPr>
-              <a:t>Добыча с монстров, магазин алхимика, боги</a:t>
+              <a:rPr lang="ru-RU" dirty="0" smtClean="0"/>
+              <a:t>Саморегулируемое ценообразование</a:t>
             </a:r>
-            <a:endParaRPr>
-              <a:solidFill>
-                <a:srgbClr val="000000"/>
-              </a:solidFill>
-            </a:endParaRPr>
-          </a:p>
-          <a:p>
-            <a:pPr marL="457200" lvl="0" indent="0" algn="l" rtl="0">
-              <a:spcBef>
-                <a:spcPts val="1600"/>
-              </a:spcBef>
-              <a:spcAft>
-                <a:spcPts val="1600"/>
-              </a:spcAft>
-              <a:buNone/>
-            </a:pPr>
-            <a:endParaRPr>
-              <a:solidFill>
-                <a:srgbClr val="000000"/>
-              </a:solidFill>
-            </a:endParaRPr>
+            <a:endParaRPr lang="ru-RU" dirty="0"/>
           </a:p>
         </p:txBody>
       </p:sp>
-      <p:pic>
-        <p:nvPicPr>
-          <p:cNvPr id="114" name="Google Shape;114;p20"/>
-          <p:cNvPicPr preferRelativeResize="0"/>
-          <p:nvPr/>
-        </p:nvPicPr>
-        <p:blipFill>
-          <a:blip r:embed="rId3">
-            <a:alphaModFix/>
-          </a:blip>
-          <a:stretch>
-            <a:fillRect/>
-          </a:stretch>
-        </p:blipFill>
-        <p:spPr>
-          <a:xfrm>
-            <a:off x="4034675" y="876525"/>
-            <a:ext cx="4814125" cy="5693325"/>
-          </a:xfrm>
-          <a:prstGeom prst="rect">
-            <a:avLst/>
-          </a:prstGeom>
-          <a:noFill/>
-          <a:ln>
-            <a:noFill/>
-          </a:ln>
-        </p:spPr>
-      </p:pic>
       <p:sp>
         <p:nvSpPr>
-          <p:cNvPr id="115" name="Google Shape;115;p20"/>
-          <p:cNvSpPr txBox="1">
+          <p:cNvPr id="4" name="Номер слайда 3"/>
+          <p:cNvSpPr>
             <a:spLocks noGrp="1"/>
           </p:cNvSpPr>
           <p:nvPr>
             <p:ph type="sldNum" idx="12"/>
           </p:nvPr>
         </p:nvSpPr>
-        <p:spPr>
-          <a:xfrm>
-            <a:off x="8472458" y="6217622"/>
-            <a:ext cx="548700" cy="524700"/>
-          </a:xfrm>
-          <a:prstGeom prst="rect">
-            <a:avLst/>
-          </a:prstGeom>
-        </p:spPr>
+        <p:spPr/>
         <p:txBody>
-          <a:bodyPr spcFirstLastPara="1" wrap="square" lIns="91425" tIns="91425" rIns="91425" bIns="91425" anchor="ctr" anchorCtr="0">
-            <a:noAutofit/>
-          </a:bodyPr>
+          <a:bodyPr/>
           <a:lstStyle/>
           <a:p>
             <a:pPr marL="0" lvl="0" indent="0" algn="r" rtl="0">
@@ -10220,38 +8838,22 @@
               <a:spcAft>
                 <a:spcPts val="0"/>
               </a:spcAft>
-              <a:buClr>
-                <a:srgbClr val="000000"/>
-              </a:buClr>
-              <a:buSzPts val="1100"/>
-              <a:buFont typeface="Arial"/>
               <a:buNone/>
             </a:pPr>
             <a:fld id="{00000000-1234-1234-1234-123412341234}" type="slidenum">
-              <a:rPr lang="ru">
-                <a:solidFill>
-                  <a:schemeClr val="dk2"/>
-                </a:solidFill>
-                <a:latin typeface="Arial"/>
-                <a:ea typeface="Arial"/>
-                <a:cs typeface="Arial"/>
-                <a:sym typeface="Arial"/>
-              </a:rPr>
-              <a:t>8</a:t>
+              <a:rPr lang="ru" smtClean="0"/>
+              <a:t>7</a:t>
             </a:fld>
-            <a:endParaRPr>
-              <a:solidFill>
-                <a:schemeClr val="dk2"/>
-              </a:solidFill>
-              <a:latin typeface="Arial"/>
-              <a:ea typeface="Arial"/>
-              <a:cs typeface="Arial"/>
-              <a:sym typeface="Arial"/>
-            </a:endParaRPr>
+            <a:endParaRPr lang="ru"/>
           </a:p>
         </p:txBody>
       </p:sp>
     </p:spTree>
+    <p:extLst>
+      <p:ext uri="{BB962C8B-B14F-4D97-AF65-F5344CB8AC3E}">
+        <p14:creationId xmlns:p14="http://schemas.microsoft.com/office/powerpoint/2010/main" val="1933425662"/>
+      </p:ext>
+    </p:extLst>
   </p:cSld>
   <p:clrMapOvr>
     <a:masterClrMapping/>
@@ -10259,12 +8861,12 @@
 </p:sld>
 </file>
 
-<file path=ppt/slides/slide9.xml><?xml version="1.0" encoding="utf-8"?>
+<file path=ppt/slides/slide8.xml><?xml version="1.0" encoding="utf-8"?>
 <p:sld xmlns:a="http://schemas.openxmlformats.org/drawingml/2006/main" xmlns:r="http://schemas.openxmlformats.org/officeDocument/2006/relationships" xmlns:p="http://schemas.openxmlformats.org/presentationml/2006/main">
   <p:cSld>
     <p:spTree>
       <p:nvGrpSpPr>
-        <p:cNvPr id="1" name="Shape 119"/>
+        <p:cNvPr id="1" name=""/>
         <p:cNvGrpSpPr/>
         <p:nvPr/>
       </p:nvGrpSpPr>
@@ -10278,172 +8880,111 @@
       </p:grpSpPr>
       <p:sp>
         <p:nvSpPr>
-          <p:cNvPr id="120" name="Google Shape;120;p21"/>
-          <p:cNvSpPr txBox="1">
+          <p:cNvPr id="2" name="Заголовок 1"/>
+          <p:cNvSpPr>
             <a:spLocks noGrp="1"/>
           </p:cNvSpPr>
           <p:nvPr>
             <p:ph type="title"/>
           </p:nvPr>
         </p:nvSpPr>
-        <p:spPr>
-          <a:xfrm>
-            <a:off x="311700" y="593367"/>
-            <a:ext cx="8520600" cy="763500"/>
-          </a:xfrm>
-          <a:prstGeom prst="rect">
-            <a:avLst/>
-          </a:prstGeom>
-        </p:spPr>
+        <p:spPr/>
         <p:txBody>
-          <a:bodyPr spcFirstLastPara="1" wrap="square" lIns="91425" tIns="91425" rIns="91425" bIns="91425" anchor="t" anchorCtr="0">
-            <a:noAutofit/>
-          </a:bodyPr>
+          <a:bodyPr/>
           <a:lstStyle/>
           <a:p>
-            <a:pPr marL="0" lvl="0" indent="0" algn="l" rtl="0">
-              <a:spcBef>
-                <a:spcPts val="0"/>
-              </a:spcBef>
-              <a:spcAft>
-                <a:spcPts val="0"/>
-              </a:spcAft>
-              <a:buNone/>
-            </a:pPr>
             <a:r>
-              <a:rPr lang="ru">
-                <a:solidFill>
-                  <a:srgbClr val="000000"/>
-                </a:solidFill>
-              </a:rPr>
-              <a:t>Открытие двери</a:t>
+              <a:rPr lang="ru-RU" dirty="0" smtClean="0"/>
+              <a:t>Этажи</a:t>
             </a:r>
-            <a:endParaRPr>
-              <a:solidFill>
-                <a:srgbClr val="000000"/>
-              </a:solidFill>
-            </a:endParaRPr>
+            <a:endParaRPr lang="ru-RU" dirty="0"/>
           </a:p>
         </p:txBody>
       </p:sp>
       <p:sp>
         <p:nvSpPr>
-          <p:cNvPr id="121" name="Google Shape;121;p21"/>
-          <p:cNvSpPr txBox="1">
+          <p:cNvPr id="3" name="Текст 2"/>
+          <p:cNvSpPr>
             <a:spLocks noGrp="1"/>
           </p:cNvSpPr>
           <p:nvPr>
             <p:ph type="body" idx="1"/>
           </p:nvPr>
         </p:nvSpPr>
-        <p:spPr>
-          <a:xfrm>
-            <a:off x="132950" y="1986425"/>
-            <a:ext cx="3083700" cy="4105200"/>
-          </a:xfrm>
-          <a:prstGeom prst="rect">
-            <a:avLst/>
-          </a:prstGeom>
-        </p:spPr>
+        <p:spPr/>
         <p:txBody>
-          <a:bodyPr spcFirstLastPara="1" wrap="square" lIns="91425" tIns="91425" rIns="91425" bIns="91425" anchor="t" anchorCtr="0">
-            <a:noAutofit/>
-          </a:bodyPr>
+          <a:bodyPr/>
           <a:lstStyle/>
           <a:p>
-            <a:pPr marL="457200" lvl="0" indent="-342900" algn="l" rtl="0">
-              <a:spcBef>
-                <a:spcPts val="0"/>
-              </a:spcBef>
-              <a:spcAft>
-                <a:spcPts val="0"/>
-              </a:spcAft>
-              <a:buClr>
-                <a:srgbClr val="000000"/>
-              </a:buClr>
-              <a:buSzPts val="1800"/>
-              <a:buFont typeface="Arial"/>
-              <a:buChar char="●"/>
+            <a:r>
+              <a:rPr lang="ru-RU" dirty="0" smtClean="0"/>
+              <a:t>2 этажа – верхний и нижний</a:t>
+            </a:r>
+          </a:p>
+          <a:p>
+            <a:r>
+              <a:rPr lang="ru-RU" dirty="0" smtClean="0"/>
+              <a:t>Нижний этаж более сложный</a:t>
+            </a:r>
+            <a:endParaRPr lang="ru-RU" dirty="0"/>
+          </a:p>
+        </p:txBody>
+      </p:sp>
+      <p:sp>
+        <p:nvSpPr>
+          <p:cNvPr id="4" name="Номер слайда 3"/>
+          <p:cNvSpPr>
+            <a:spLocks noGrp="1"/>
+          </p:cNvSpPr>
+          <p:nvPr>
+            <p:ph type="sldNum" idx="12"/>
+          </p:nvPr>
+        </p:nvSpPr>
+        <p:spPr/>
+        <p:txBody>
+          <a:bodyPr/>
+          <a:lstStyle/>
+          <a:p>
+            <a:pPr marL="0" lvl="0" indent="0" algn="r" rtl="0">
+              <a:spcBef>
+                <a:spcPts val="0"/>
+              </a:spcBef>
+              <a:spcAft>
+                <a:spcPts val="0"/>
+              </a:spcAft>
+              <a:buNone/>
             </a:pPr>
-            <a:r>
-              <a:rPr lang="ru">
-                <a:solidFill>
-                  <a:srgbClr val="000000"/>
-                </a:solidFill>
-                <a:latin typeface="Arial"/>
-                <a:ea typeface="Arial"/>
-                <a:cs typeface="Arial"/>
-                <a:sym typeface="Arial"/>
-              </a:rPr>
-              <a:t>За дверью может оказаться один из множества персонажей</a:t>
-            </a:r>
-            <a:endParaRPr>
-              <a:solidFill>
-                <a:srgbClr val="000000"/>
-              </a:solidFill>
-              <a:latin typeface="Arial"/>
-              <a:ea typeface="Arial"/>
-              <a:cs typeface="Arial"/>
-              <a:sym typeface="Arial"/>
-            </a:endParaRPr>
-          </a:p>
-          <a:p>
-            <a:pPr marL="457200" lvl="0" indent="-342900" algn="l" rtl="0">
-              <a:spcBef>
-                <a:spcPts val="0"/>
-              </a:spcBef>
-              <a:spcAft>
-                <a:spcPts val="0"/>
-              </a:spcAft>
-              <a:buClr>
-                <a:srgbClr val="000000"/>
-              </a:buClr>
-              <a:buSzPts val="1800"/>
-              <a:buFont typeface="Arial"/>
-              <a:buChar char="●"/>
-            </a:pPr>
-            <a:r>
-              <a:rPr lang="ru">
-                <a:solidFill>
-                  <a:srgbClr val="000000"/>
-                </a:solidFill>
-                <a:latin typeface="Arial"/>
-                <a:ea typeface="Arial"/>
-                <a:cs typeface="Arial"/>
-                <a:sym typeface="Arial"/>
-              </a:rPr>
-              <a:t>Персонажи могут быть сюжетные, нейтральные, положительные и отрицательные</a:t>
-            </a:r>
-            <a:endParaRPr sz="1200">
-              <a:solidFill>
-                <a:srgbClr val="000000"/>
-              </a:solidFill>
-              <a:latin typeface="Times New Roman"/>
-              <a:ea typeface="Times New Roman"/>
-              <a:cs typeface="Times New Roman"/>
-              <a:sym typeface="Times New Roman"/>
-            </a:endParaRPr>
+            <a:fld id="{00000000-1234-1234-1234-123412341234}" type="slidenum">
+              <a:rPr lang="ru" smtClean="0"/>
+              <a:t>8</a:t>
+            </a:fld>
+            <a:endParaRPr lang="ru"/>
           </a:p>
         </p:txBody>
       </p:sp>
       <p:pic>
         <p:nvPicPr>
-          <p:cNvPr id="122" name="Google Shape;122;p21"/>
-          <p:cNvPicPr preferRelativeResize="0"/>
+          <p:cNvPr id="6" name="Рисунок 5" descr="https://lh6.googleusercontent.com/WlC_B6Mzwt3h2SiThZ7wpNo_zgbDx_CoH6Zc0dM4qE6ckbEGD0sp6K0fZqMPeuAWFuIwI77jg_1om62rOvoeEOUwu4Eb2Srmn7dZUy1VtEbOMr7MC5wVxxGfIym31nNA00EPr8Qo"/>
+          <p:cNvPicPr/>
           <p:nvPr/>
         </p:nvPicPr>
         <p:blipFill>
-          <a:blip r:embed="rId3">
-            <a:alphaModFix/>
+          <a:blip r:embed="rId2">
+            <a:extLst>
+              <a:ext uri="{28A0092B-C50C-407E-A947-70E740481C1C}">
+                <a14:useLocalDpi xmlns:a14="http://schemas.microsoft.com/office/drawing/2010/main" val="0"/>
+              </a:ext>
+            </a:extLst>
           </a:blip>
+          <a:srcRect/>
           <a:stretch>
             <a:fillRect/>
           </a:stretch>
         </p:blipFill>
-        <p:spPr>
+        <p:spPr bwMode="auto">
           <a:xfrm>
-            <a:off x="6152868" y="2191300"/>
-            <a:ext cx="2804606" cy="3536923"/>
+            <a:off x="438150" y="2867025"/>
+            <a:ext cx="4276725" cy="3023574"/>
           </a:xfrm>
           <a:prstGeom prst="rect">
             <a:avLst/>
@@ -10454,87 +8995,29 @@
           </a:ln>
         </p:spPr>
       </p:pic>
-      <p:sp>
-        <p:nvSpPr>
-          <p:cNvPr id="123" name="Google Shape;123;p21"/>
-          <p:cNvSpPr txBox="1">
-            <a:spLocks noGrp="1"/>
-          </p:cNvSpPr>
-          <p:nvPr>
-            <p:ph type="sldNum" idx="12"/>
-          </p:nvPr>
-        </p:nvSpPr>
-        <p:spPr>
-          <a:xfrm>
-            <a:off x="8472458" y="6217622"/>
-            <a:ext cx="548700" cy="524700"/>
-          </a:xfrm>
-          <a:prstGeom prst="rect">
-            <a:avLst/>
-          </a:prstGeom>
-        </p:spPr>
-        <p:txBody>
-          <a:bodyPr spcFirstLastPara="1" wrap="square" lIns="91425" tIns="91425" rIns="91425" bIns="91425" anchor="ctr" anchorCtr="0">
-            <a:noAutofit/>
-          </a:bodyPr>
-          <a:lstStyle/>
-          <a:p>
-            <a:pPr marL="0" lvl="0" indent="0" algn="r" rtl="0">
-              <a:spcBef>
-                <a:spcPts val="0"/>
-              </a:spcBef>
-              <a:spcAft>
-                <a:spcPts val="0"/>
-              </a:spcAft>
-              <a:buClr>
-                <a:srgbClr val="000000"/>
-              </a:buClr>
-              <a:buSzPts val="1100"/>
-              <a:buFont typeface="Arial"/>
-              <a:buNone/>
-            </a:pPr>
-            <a:fld id="{00000000-1234-1234-1234-123412341234}" type="slidenum">
-              <a:rPr lang="ru">
-                <a:solidFill>
-                  <a:schemeClr val="dk2"/>
-                </a:solidFill>
-                <a:latin typeface="Arial"/>
-                <a:ea typeface="Arial"/>
-                <a:cs typeface="Arial"/>
-                <a:sym typeface="Arial"/>
-              </a:rPr>
-              <a:t>9</a:t>
-            </a:fld>
-            <a:endParaRPr>
-              <a:solidFill>
-                <a:schemeClr val="dk2"/>
-              </a:solidFill>
-              <a:latin typeface="Arial"/>
-              <a:ea typeface="Arial"/>
-              <a:cs typeface="Arial"/>
-              <a:sym typeface="Arial"/>
-            </a:endParaRPr>
-          </a:p>
-        </p:txBody>
-      </p:sp>
       <p:pic>
         <p:nvPicPr>
-          <p:cNvPr id="124" name="Google Shape;124;p21"/>
-          <p:cNvPicPr preferRelativeResize="0"/>
+          <p:cNvPr id="7" name="Рисунок 6" descr="https://lh3.googleusercontent.com/E3VHI_ORizsiVznAVDK_XjB6lXUNbgAFwpbcWnxU5mO5RlzF2_LhpTAIZSDNe88LKwujzd2WmKEXzYI0mGnlJjMQlFRSRSv21ZufVM9UUwPMOSkiIoMZchM9z2z8xAb7XAOxFO9f"/>
+          <p:cNvPicPr/>
           <p:nvPr/>
         </p:nvPicPr>
         <p:blipFill>
-          <a:blip r:embed="rId4">
-            <a:alphaModFix/>
+          <a:blip r:embed="rId3">
+            <a:extLst>
+              <a:ext uri="{28A0092B-C50C-407E-A947-70E740481C1C}">
+                <a14:useLocalDpi xmlns:a14="http://schemas.microsoft.com/office/drawing/2010/main" val="0"/>
+              </a:ext>
+            </a:extLst>
           </a:blip>
+          <a:srcRect/>
           <a:stretch>
             <a:fillRect/>
           </a:stretch>
         </p:blipFill>
-        <p:spPr>
+        <p:spPr bwMode="auto">
           <a:xfrm>
-            <a:off x="3216550" y="2191300"/>
-            <a:ext cx="2731300" cy="3536924"/>
+            <a:off x="4841325" y="2867025"/>
+            <a:ext cx="3990975" cy="3023574"/>
           </a:xfrm>
           <a:prstGeom prst="rect">
             <a:avLst/>
@@ -10546,6 +9029,190 @@
         </p:spPr>
       </p:pic>
     </p:spTree>
+    <p:extLst>
+      <p:ext uri="{BB962C8B-B14F-4D97-AF65-F5344CB8AC3E}">
+        <p14:creationId xmlns:p14="http://schemas.microsoft.com/office/powerpoint/2010/main" val="2879343071"/>
+      </p:ext>
+    </p:extLst>
+  </p:cSld>
+  <p:clrMapOvr>
+    <a:masterClrMapping/>
+  </p:clrMapOvr>
+</p:sld>
+</file>
+
+<file path=ppt/slides/slide9.xml><?xml version="1.0" encoding="utf-8"?>
+<p:sld xmlns:a="http://schemas.openxmlformats.org/drawingml/2006/main" xmlns:r="http://schemas.openxmlformats.org/officeDocument/2006/relationships" xmlns:p="http://schemas.openxmlformats.org/presentationml/2006/main">
+  <p:cSld>
+    <p:spTree>
+      <p:nvGrpSpPr>
+        <p:cNvPr id="1" name=""/>
+        <p:cNvGrpSpPr/>
+        <p:nvPr/>
+      </p:nvGrpSpPr>
+      <p:grpSpPr>
+        <a:xfrm>
+          <a:off x="0" y="0"/>
+          <a:ext cx="0" cy="0"/>
+          <a:chOff x="0" y="0"/>
+          <a:chExt cx="0" cy="0"/>
+        </a:xfrm>
+      </p:grpSpPr>
+      <p:sp>
+        <p:nvSpPr>
+          <p:cNvPr id="2" name="Заголовок 1"/>
+          <p:cNvSpPr>
+            <a:spLocks noGrp="1"/>
+          </p:cNvSpPr>
+          <p:nvPr>
+            <p:ph type="title"/>
+          </p:nvPr>
+        </p:nvSpPr>
+        <p:spPr/>
+        <p:txBody>
+          <a:bodyPr/>
+          <a:lstStyle/>
+          <a:p>
+            <a:r>
+              <a:rPr lang="ru-RU" dirty="0" smtClean="0"/>
+              <a:t>Новые предметы</a:t>
+            </a:r>
+            <a:endParaRPr lang="ru-RU" dirty="0"/>
+          </a:p>
+        </p:txBody>
+      </p:sp>
+      <p:sp>
+        <p:nvSpPr>
+          <p:cNvPr id="3" name="Текст 2"/>
+          <p:cNvSpPr>
+            <a:spLocks noGrp="1"/>
+          </p:cNvSpPr>
+          <p:nvPr>
+            <p:ph type="body" idx="1"/>
+          </p:nvPr>
+        </p:nvSpPr>
+        <p:spPr/>
+        <p:txBody>
+          <a:bodyPr/>
+          <a:lstStyle/>
+          <a:p>
+            <a:pPr lvl="0"/>
+            <a:r>
+              <a:rPr lang="ru-RU" dirty="0"/>
+              <a:t>Новые виды оружие: Ak-47, М4, магический посох, лазерный пистолет, лазерная отвертка</a:t>
+            </a:r>
+          </a:p>
+          <a:p>
+            <a:pPr lvl="0"/>
+            <a:r>
+              <a:rPr lang="ru-RU" dirty="0"/>
+              <a:t>Защитные вещи: щит, шапка из фольги, ботинки, латы, наколенники, механический панцирь, солдатский шлем, кольцо, </a:t>
+            </a:r>
+            <a:r>
+              <a:rPr lang="ru-RU" dirty="0" smtClean="0"/>
+              <a:t>мазь Звездочка</a:t>
+            </a:r>
+            <a:endParaRPr lang="ru-RU" dirty="0"/>
+          </a:p>
+          <a:p>
+            <a:pPr lvl="0"/>
+            <a:r>
+              <a:rPr lang="ru-RU" dirty="0"/>
+              <a:t>Вещи для выполнения различных </a:t>
+            </a:r>
+            <a:r>
+              <a:rPr lang="ru-RU" dirty="0" err="1"/>
+              <a:t>квестов</a:t>
+            </a:r>
+            <a:r>
+              <a:rPr lang="ru-RU" dirty="0"/>
+              <a:t>: конфетка, зуб василиска, мешочек со </a:t>
+            </a:r>
+            <a:r>
+              <a:rPr lang="ru-RU" dirty="0" err="1"/>
+              <a:t>спойлерами</a:t>
+            </a:r>
+            <a:r>
+              <a:rPr lang="ru-RU" dirty="0"/>
+              <a:t>, тыква, трезубец.</a:t>
+            </a:r>
+          </a:p>
+          <a:p>
+            <a:endParaRPr lang="ru-RU" dirty="0"/>
+          </a:p>
+        </p:txBody>
+      </p:sp>
+      <p:sp>
+        <p:nvSpPr>
+          <p:cNvPr id="4" name="Номер слайда 3"/>
+          <p:cNvSpPr>
+            <a:spLocks noGrp="1"/>
+          </p:cNvSpPr>
+          <p:nvPr>
+            <p:ph type="sldNum" idx="12"/>
+          </p:nvPr>
+        </p:nvSpPr>
+        <p:spPr/>
+        <p:txBody>
+          <a:bodyPr/>
+          <a:lstStyle/>
+          <a:p>
+            <a:pPr marL="0" lvl="0" indent="0" algn="r" rtl="0">
+              <a:spcBef>
+                <a:spcPts val="0"/>
+              </a:spcBef>
+              <a:spcAft>
+                <a:spcPts val="0"/>
+              </a:spcAft>
+              <a:buNone/>
+            </a:pPr>
+            <a:fld id="{00000000-1234-1234-1234-123412341234}" type="slidenum">
+              <a:rPr lang="ru" smtClean="0"/>
+              <a:t>9</a:t>
+            </a:fld>
+            <a:endParaRPr lang="ru"/>
+          </a:p>
+        </p:txBody>
+      </p:sp>
+      <p:pic>
+        <p:nvPicPr>
+          <p:cNvPr id="5" name="Рисунок 4" descr="https://lh6.googleusercontent.com/kAK2zNJYQzQ6Pmoqr69kg0VRS478fVb6Tn08ED8x75M5KDaz1-dzy6gWNb3_6MqNGjv1B8idjTVwfivccZ9deCpS85Ns7VQc3vzwlW4_y5v2X57pJQqGs7Kwr4b_n1wrAInu2ab2"/>
+          <p:cNvPicPr/>
+          <p:nvPr/>
+        </p:nvPicPr>
+        <p:blipFill>
+          <a:blip r:embed="rId2">
+            <a:extLst>
+              <a:ext uri="{28A0092B-C50C-407E-A947-70E740481C1C}">
+                <a14:useLocalDpi xmlns:a14="http://schemas.microsoft.com/office/drawing/2010/main" val="0"/>
+              </a:ext>
+            </a:extLst>
+          </a:blip>
+          <a:srcRect/>
+          <a:stretch>
+            <a:fillRect/>
+          </a:stretch>
+        </p:blipFill>
+        <p:spPr bwMode="auto">
+          <a:xfrm>
+            <a:off x="1033462" y="3733800"/>
+            <a:ext cx="7077075" cy="2641397"/>
+          </a:xfrm>
+          <a:prstGeom prst="rect">
+            <a:avLst/>
+          </a:prstGeom>
+          <a:noFill/>
+          <a:ln>
+            <a:noFill/>
+          </a:ln>
+        </p:spPr>
+      </p:pic>
+    </p:spTree>
+    <p:extLst>
+      <p:ext uri="{BB962C8B-B14F-4D97-AF65-F5344CB8AC3E}">
+        <p14:creationId xmlns:p14="http://schemas.microsoft.com/office/powerpoint/2010/main" val="3175414963"/>
+      </p:ext>
+    </p:extLst>
   </p:cSld>
   <p:clrMapOvr>
     <a:masterClrMapping/>

--- a/otchet/Видякин Голушков.pptx
+++ b/otchet/Видякин Голушков.pptx
@@ -253,6 +253,11 @@
       </a:defRPr>
     </a:lvl9pPr>
   </p:defaultTextStyle>
+  <p:extLst>
+    <p:ext uri="{EFAFB233-063F-42B5-8137-9DF3F51BA10A}">
+      <p15:sldGuideLst xmlns:p15="http://schemas.microsoft.com/office/powerpoint/2012/main"/>
+    </p:ext>
+  </p:extLst>
 </p:presentation>
 </file>
 
